--- a/Rust workshop presentation.pptx
+++ b/Rust workshop presentation.pptx
@@ -214,7 +214,7 @@
           <a:p>
             <a:fld id="{59746C06-FCD2-4F71-B216-407952C80BC0}" type="datetimeFigureOut">
               <a:rPr lang="en-US" smtClean="0"/>
-              <a:t>10/8/2025</a:t>
+              <a:t>10/21/2025</a:t>
             </a:fld>
             <a:endParaRPr lang="en-US"/>
           </a:p>
@@ -481,6 +481,1885 @@
 </p:notesMaster>
 </file>
 
+<file path=ppt/notesSlides/notesSlide1.xml><?xml version="1.0" encoding="utf-8"?>
+<p:notes xmlns:a="http://schemas.openxmlformats.org/drawingml/2006/main" xmlns:r="http://schemas.openxmlformats.org/officeDocument/2006/relationships" xmlns:p="http://schemas.openxmlformats.org/presentationml/2006/main">
+  <p:cSld>
+    <p:spTree>
+      <p:nvGrpSpPr>
+        <p:cNvPr id="1" name=""/>
+        <p:cNvGrpSpPr/>
+        <p:nvPr/>
+      </p:nvGrpSpPr>
+      <p:grpSpPr>
+        <a:xfrm>
+          <a:off x="0" y="0"/>
+          <a:ext cx="0" cy="0"/>
+          <a:chOff x="0" y="0"/>
+          <a:chExt cx="0" cy="0"/>
+        </a:xfrm>
+      </p:grpSpPr>
+      <p:sp>
+        <p:nvSpPr>
+          <p:cNvPr id="2" name="Slide Image Placeholder 1"/>
+          <p:cNvSpPr>
+            <a:spLocks noGrp="1" noRot="1" noChangeAspect="1"/>
+          </p:cNvSpPr>
+          <p:nvPr>
+            <p:ph type="sldImg"/>
+          </p:nvPr>
+        </p:nvSpPr>
+        <p:spPr/>
+      </p:sp>
+      <p:sp>
+        <p:nvSpPr>
+          <p:cNvPr id="3" name="Notes Placeholder 2"/>
+          <p:cNvSpPr>
+            <a:spLocks noGrp="1"/>
+          </p:cNvSpPr>
+          <p:nvPr>
+            <p:ph type="body" idx="1"/>
+          </p:nvPr>
+        </p:nvSpPr>
+        <p:spPr/>
+        <p:txBody>
+          <a:bodyPr/>
+          <a:lstStyle/>
+          <a:p>
+            <a:r>
+              <a:rPr lang="en-US" sz="1200" b="0" kern="1200" dirty="0">
+                <a:solidFill>
+                  <a:schemeClr val="tx1"/>
+                </a:solidFill>
+                <a:effectLst/>
+                <a:latin typeface="+mn-lt"/>
+                <a:ea typeface="+mn-ea"/>
+                <a:cs typeface="+mn-cs"/>
+              </a:rPr>
+              <a:t>Rust is a programming language. It was created in 2006. Its one of the fastest growing programming languages currently on the market.</a:t>
+            </a:r>
+          </a:p>
+          <a:p>
+            <a:br>
+              <a:rPr lang="en-US" sz="1200" b="0" kern="1200" dirty="0">
+                <a:solidFill>
+                  <a:schemeClr val="tx1"/>
+                </a:solidFill>
+                <a:effectLst/>
+                <a:latin typeface="+mn-lt"/>
+                <a:ea typeface="+mn-ea"/>
+                <a:cs typeface="+mn-cs"/>
+              </a:rPr>
+            </a:br>
+            <a:endParaRPr lang="en-US" sz="1200" b="0" kern="1200" dirty="0">
+              <a:solidFill>
+                <a:schemeClr val="tx1"/>
+              </a:solidFill>
+              <a:effectLst/>
+              <a:latin typeface="+mn-lt"/>
+              <a:ea typeface="+mn-ea"/>
+              <a:cs typeface="+mn-cs"/>
+            </a:endParaRPr>
+          </a:p>
+          <a:p>
+            <a:endParaRPr lang="en-US" dirty="0"/>
+          </a:p>
+        </p:txBody>
+      </p:sp>
+      <p:sp>
+        <p:nvSpPr>
+          <p:cNvPr id="4" name="Slide Number Placeholder 3"/>
+          <p:cNvSpPr>
+            <a:spLocks noGrp="1"/>
+          </p:cNvSpPr>
+          <p:nvPr>
+            <p:ph type="sldNum" sz="quarter" idx="5"/>
+          </p:nvPr>
+        </p:nvSpPr>
+        <p:spPr/>
+        <p:txBody>
+          <a:bodyPr/>
+          <a:lstStyle/>
+          <a:p>
+            <a:fld id="{791E7DFB-44F9-47A0-9F90-F8BE7D449499}" type="slidenum">
+              <a:rPr lang="en-US" smtClean="0"/>
+              <a:t>1</a:t>
+            </a:fld>
+            <a:endParaRPr lang="en-US"/>
+          </a:p>
+        </p:txBody>
+      </p:sp>
+    </p:spTree>
+    <p:extLst>
+      <p:ext uri="{BB962C8B-B14F-4D97-AF65-F5344CB8AC3E}">
+        <p14:creationId xmlns:p14="http://schemas.microsoft.com/office/powerpoint/2010/main" val="2159771636"/>
+      </p:ext>
+    </p:extLst>
+  </p:cSld>
+  <p:clrMapOvr>
+    <a:masterClrMapping/>
+  </p:clrMapOvr>
+</p:notes>
+</file>
+
+<file path=ppt/notesSlides/notesSlide10.xml><?xml version="1.0" encoding="utf-8"?>
+<p:notes xmlns:a="http://schemas.openxmlformats.org/drawingml/2006/main" xmlns:r="http://schemas.openxmlformats.org/officeDocument/2006/relationships" xmlns:p="http://schemas.openxmlformats.org/presentationml/2006/main">
+  <p:cSld>
+    <p:spTree>
+      <p:nvGrpSpPr>
+        <p:cNvPr id="1" name=""/>
+        <p:cNvGrpSpPr/>
+        <p:nvPr/>
+      </p:nvGrpSpPr>
+      <p:grpSpPr>
+        <a:xfrm>
+          <a:off x="0" y="0"/>
+          <a:ext cx="0" cy="0"/>
+          <a:chOff x="0" y="0"/>
+          <a:chExt cx="0" cy="0"/>
+        </a:xfrm>
+      </p:grpSpPr>
+      <p:sp>
+        <p:nvSpPr>
+          <p:cNvPr id="2" name="Slide Image Placeholder 1"/>
+          <p:cNvSpPr>
+            <a:spLocks noGrp="1" noRot="1" noChangeAspect="1"/>
+          </p:cNvSpPr>
+          <p:nvPr>
+            <p:ph type="sldImg"/>
+          </p:nvPr>
+        </p:nvSpPr>
+        <p:spPr/>
+      </p:sp>
+      <p:sp>
+        <p:nvSpPr>
+          <p:cNvPr id="3" name="Notes Placeholder 2"/>
+          <p:cNvSpPr>
+            <a:spLocks noGrp="1"/>
+          </p:cNvSpPr>
+          <p:nvPr>
+            <p:ph type="body" idx="1"/>
+          </p:nvPr>
+        </p:nvSpPr>
+        <p:spPr/>
+        <p:txBody>
+          <a:bodyPr/>
+          <a:lstStyle/>
+          <a:p>
+            <a:pPr marL="0" marR="0" lvl="0" indent="0" algn="l" defTabSz="914400" rtl="0" eaLnBrk="1" fontAlgn="auto" latinLnBrk="0" hangingPunct="1">
+              <a:lnSpc>
+                <a:spcPct val="100000"/>
+              </a:lnSpc>
+              <a:spcBef>
+                <a:spcPts val="0"/>
+              </a:spcBef>
+              <a:spcAft>
+                <a:spcPts val="0"/>
+              </a:spcAft>
+              <a:buClrTx/>
+              <a:buSzTx/>
+              <a:buFontTx/>
+              <a:buNone/>
+              <a:tabLst/>
+              <a:defRPr/>
+            </a:pPr>
+            <a:r>
+              <a:rPr lang="en-US" sz="1200" b="0" kern="1200" dirty="0">
+                <a:solidFill>
+                  <a:schemeClr val="tx1"/>
+                </a:solidFill>
+                <a:effectLst/>
+                <a:latin typeface="+mn-lt"/>
+                <a:ea typeface="+mn-ea"/>
+                <a:cs typeface="+mn-cs"/>
+              </a:rPr>
+              <a:t>Here we have an example of a struct. It is important to mention that rust does not have classes but you can use structs and implement functions on a struct to get the same effect.</a:t>
+            </a:r>
+          </a:p>
+          <a:p>
+            <a:endParaRPr lang="en-US" dirty="0"/>
+          </a:p>
+        </p:txBody>
+      </p:sp>
+      <p:sp>
+        <p:nvSpPr>
+          <p:cNvPr id="4" name="Slide Number Placeholder 3"/>
+          <p:cNvSpPr>
+            <a:spLocks noGrp="1"/>
+          </p:cNvSpPr>
+          <p:nvPr>
+            <p:ph type="sldNum" sz="quarter" idx="5"/>
+          </p:nvPr>
+        </p:nvSpPr>
+        <p:spPr/>
+        <p:txBody>
+          <a:bodyPr/>
+          <a:lstStyle/>
+          <a:p>
+            <a:fld id="{791E7DFB-44F9-47A0-9F90-F8BE7D449499}" type="slidenum">
+              <a:rPr lang="en-US" smtClean="0"/>
+              <a:t>10</a:t>
+            </a:fld>
+            <a:endParaRPr lang="en-US"/>
+          </a:p>
+        </p:txBody>
+      </p:sp>
+    </p:spTree>
+    <p:extLst>
+      <p:ext uri="{BB962C8B-B14F-4D97-AF65-F5344CB8AC3E}">
+        <p14:creationId xmlns:p14="http://schemas.microsoft.com/office/powerpoint/2010/main" val="1563616990"/>
+      </p:ext>
+    </p:extLst>
+  </p:cSld>
+  <p:clrMapOvr>
+    <a:masterClrMapping/>
+  </p:clrMapOvr>
+</p:notes>
+</file>
+
+<file path=ppt/notesSlides/notesSlide11.xml><?xml version="1.0" encoding="utf-8"?>
+<p:notes xmlns:a="http://schemas.openxmlformats.org/drawingml/2006/main" xmlns:r="http://schemas.openxmlformats.org/officeDocument/2006/relationships" xmlns:p="http://schemas.openxmlformats.org/presentationml/2006/main">
+  <p:cSld>
+    <p:spTree>
+      <p:nvGrpSpPr>
+        <p:cNvPr id="1" name=""/>
+        <p:cNvGrpSpPr/>
+        <p:nvPr/>
+      </p:nvGrpSpPr>
+      <p:grpSpPr>
+        <a:xfrm>
+          <a:off x="0" y="0"/>
+          <a:ext cx="0" cy="0"/>
+          <a:chOff x="0" y="0"/>
+          <a:chExt cx="0" cy="0"/>
+        </a:xfrm>
+      </p:grpSpPr>
+      <p:sp>
+        <p:nvSpPr>
+          <p:cNvPr id="2" name="Slide Image Placeholder 1"/>
+          <p:cNvSpPr>
+            <a:spLocks noGrp="1" noRot="1" noChangeAspect="1"/>
+          </p:cNvSpPr>
+          <p:nvPr>
+            <p:ph type="sldImg"/>
+          </p:nvPr>
+        </p:nvSpPr>
+        <p:spPr/>
+      </p:sp>
+      <p:sp>
+        <p:nvSpPr>
+          <p:cNvPr id="3" name="Notes Placeholder 2"/>
+          <p:cNvSpPr>
+            <a:spLocks noGrp="1"/>
+          </p:cNvSpPr>
+          <p:nvPr>
+            <p:ph type="body" idx="1"/>
+          </p:nvPr>
+        </p:nvSpPr>
+        <p:spPr/>
+        <p:txBody>
+          <a:bodyPr/>
+          <a:lstStyle/>
+          <a:p>
+            <a:r>
+              <a:rPr lang="en-US" sz="1200" b="0" kern="1200" dirty="0">
+                <a:solidFill>
+                  <a:schemeClr val="tx1"/>
+                </a:solidFill>
+                <a:effectLst/>
+                <a:latin typeface="+mn-lt"/>
+                <a:ea typeface="+mn-ea"/>
+                <a:cs typeface="+mn-cs"/>
+              </a:rPr>
+              <a:t>The goal of this exercise is to create your own small command line program. First we will spilt you into 4 groups. Then we will give each group 2 cheat sheets with rust syntax. You will then make a small command line program. An example of what you could do is a guessing game. The program has a number between 1 and 100 that you have to guess. Each time it </a:t>
+            </a:r>
+            <a:r>
+              <a:rPr lang="en-US" sz="1200" b="0" kern="1200" dirty="0" err="1">
+                <a:solidFill>
+                  <a:schemeClr val="tx1"/>
+                </a:solidFill>
+                <a:effectLst/>
+                <a:latin typeface="+mn-lt"/>
+                <a:ea typeface="+mn-ea"/>
+                <a:cs typeface="+mn-cs"/>
+              </a:rPr>
+              <a:t>tels</a:t>
+            </a:r>
+            <a:r>
+              <a:rPr lang="en-US" sz="1200" b="0" kern="1200" dirty="0">
+                <a:solidFill>
+                  <a:schemeClr val="tx1"/>
+                </a:solidFill>
+                <a:effectLst/>
+                <a:latin typeface="+mn-lt"/>
+                <a:ea typeface="+mn-ea"/>
+                <a:cs typeface="+mn-cs"/>
+              </a:rPr>
+              <a:t> you whether the number you guessed is lower or higher than the correct guess until you guess correctly at witch point the program ends. This is just an example of what we expect feel free to experiment with rust during the </a:t>
+            </a:r>
+            <a:r>
+              <a:rPr lang="en-US" sz="1200" b="0" kern="1200" dirty="0" err="1">
+                <a:solidFill>
+                  <a:schemeClr val="tx1"/>
+                </a:solidFill>
+                <a:effectLst/>
+                <a:latin typeface="+mn-lt"/>
+                <a:ea typeface="+mn-ea"/>
+                <a:cs typeface="+mn-cs"/>
+              </a:rPr>
+              <a:t>alloted</a:t>
+            </a:r>
+            <a:r>
+              <a:rPr lang="en-US" sz="1200" b="0" kern="1200" dirty="0">
+                <a:solidFill>
+                  <a:schemeClr val="tx1"/>
+                </a:solidFill>
+                <a:effectLst/>
+                <a:latin typeface="+mn-lt"/>
+                <a:ea typeface="+mn-ea"/>
+                <a:cs typeface="+mn-cs"/>
+              </a:rPr>
+              <a:t> time and try to include as many rust features as possible.</a:t>
+            </a:r>
+          </a:p>
+          <a:p>
+            <a:endParaRPr lang="en-US" dirty="0"/>
+          </a:p>
+        </p:txBody>
+      </p:sp>
+      <p:sp>
+        <p:nvSpPr>
+          <p:cNvPr id="4" name="Slide Number Placeholder 3"/>
+          <p:cNvSpPr>
+            <a:spLocks noGrp="1"/>
+          </p:cNvSpPr>
+          <p:nvPr>
+            <p:ph type="sldNum" sz="quarter" idx="5"/>
+          </p:nvPr>
+        </p:nvSpPr>
+        <p:spPr/>
+        <p:txBody>
+          <a:bodyPr/>
+          <a:lstStyle/>
+          <a:p>
+            <a:fld id="{791E7DFB-44F9-47A0-9F90-F8BE7D449499}" type="slidenum">
+              <a:rPr lang="en-US" smtClean="0"/>
+              <a:t>17</a:t>
+            </a:fld>
+            <a:endParaRPr lang="en-US"/>
+          </a:p>
+        </p:txBody>
+      </p:sp>
+    </p:spTree>
+    <p:extLst>
+      <p:ext uri="{BB962C8B-B14F-4D97-AF65-F5344CB8AC3E}">
+        <p14:creationId xmlns:p14="http://schemas.microsoft.com/office/powerpoint/2010/main" val="679905074"/>
+      </p:ext>
+    </p:extLst>
+  </p:cSld>
+  <p:clrMapOvr>
+    <a:masterClrMapping/>
+  </p:clrMapOvr>
+</p:notes>
+</file>
+
+<file path=ppt/notesSlides/notesSlide12.xml><?xml version="1.0" encoding="utf-8"?>
+<p:notes xmlns:a="http://schemas.openxmlformats.org/drawingml/2006/main" xmlns:r="http://schemas.openxmlformats.org/officeDocument/2006/relationships" xmlns:p="http://schemas.openxmlformats.org/presentationml/2006/main">
+  <p:cSld>
+    <p:spTree>
+      <p:nvGrpSpPr>
+        <p:cNvPr id="1" name=""/>
+        <p:cNvGrpSpPr/>
+        <p:nvPr/>
+      </p:nvGrpSpPr>
+      <p:grpSpPr>
+        <a:xfrm>
+          <a:off x="0" y="0"/>
+          <a:ext cx="0" cy="0"/>
+          <a:chOff x="0" y="0"/>
+          <a:chExt cx="0" cy="0"/>
+        </a:xfrm>
+      </p:grpSpPr>
+      <p:sp>
+        <p:nvSpPr>
+          <p:cNvPr id="2" name="Slide Image Placeholder 1"/>
+          <p:cNvSpPr>
+            <a:spLocks noGrp="1" noRot="1" noChangeAspect="1"/>
+          </p:cNvSpPr>
+          <p:nvPr>
+            <p:ph type="sldImg"/>
+          </p:nvPr>
+        </p:nvSpPr>
+        <p:spPr/>
+      </p:sp>
+      <p:sp>
+        <p:nvSpPr>
+          <p:cNvPr id="3" name="Notes Placeholder 2"/>
+          <p:cNvSpPr>
+            <a:spLocks noGrp="1"/>
+          </p:cNvSpPr>
+          <p:nvPr>
+            <p:ph type="body" idx="1"/>
+          </p:nvPr>
+        </p:nvSpPr>
+        <p:spPr/>
+        <p:txBody>
+          <a:bodyPr/>
+          <a:lstStyle/>
+          <a:p>
+            <a:r>
+              <a:rPr lang="en-US" dirty="0"/>
+              <a:t>Before we end this workshop does anybody have questions about rust before the end?</a:t>
+            </a:r>
+          </a:p>
+        </p:txBody>
+      </p:sp>
+      <p:sp>
+        <p:nvSpPr>
+          <p:cNvPr id="4" name="Slide Number Placeholder 3"/>
+          <p:cNvSpPr>
+            <a:spLocks noGrp="1"/>
+          </p:cNvSpPr>
+          <p:nvPr>
+            <p:ph type="sldNum" sz="quarter" idx="5"/>
+          </p:nvPr>
+        </p:nvSpPr>
+        <p:spPr/>
+        <p:txBody>
+          <a:bodyPr/>
+          <a:lstStyle/>
+          <a:p>
+            <a:fld id="{791E7DFB-44F9-47A0-9F90-F8BE7D449499}" type="slidenum">
+              <a:rPr lang="en-US" smtClean="0"/>
+              <a:t>18</a:t>
+            </a:fld>
+            <a:endParaRPr lang="en-US"/>
+          </a:p>
+        </p:txBody>
+      </p:sp>
+    </p:spTree>
+    <p:extLst>
+      <p:ext uri="{BB962C8B-B14F-4D97-AF65-F5344CB8AC3E}">
+        <p14:creationId xmlns:p14="http://schemas.microsoft.com/office/powerpoint/2010/main" val="648735580"/>
+      </p:ext>
+    </p:extLst>
+  </p:cSld>
+  <p:clrMapOvr>
+    <a:masterClrMapping/>
+  </p:clrMapOvr>
+</p:notes>
+</file>
+
+<file path=ppt/notesSlides/notesSlide2.xml><?xml version="1.0" encoding="utf-8"?>
+<p:notes xmlns:a="http://schemas.openxmlformats.org/drawingml/2006/main" xmlns:r="http://schemas.openxmlformats.org/officeDocument/2006/relationships" xmlns:p="http://schemas.openxmlformats.org/presentationml/2006/main">
+  <p:cSld>
+    <p:spTree>
+      <p:nvGrpSpPr>
+        <p:cNvPr id="1" name=""/>
+        <p:cNvGrpSpPr/>
+        <p:nvPr/>
+      </p:nvGrpSpPr>
+      <p:grpSpPr>
+        <a:xfrm>
+          <a:off x="0" y="0"/>
+          <a:ext cx="0" cy="0"/>
+          <a:chOff x="0" y="0"/>
+          <a:chExt cx="0" cy="0"/>
+        </a:xfrm>
+      </p:grpSpPr>
+      <p:sp>
+        <p:nvSpPr>
+          <p:cNvPr id="2" name="Slide Image Placeholder 1"/>
+          <p:cNvSpPr>
+            <a:spLocks noGrp="1" noRot="1" noChangeAspect="1"/>
+          </p:cNvSpPr>
+          <p:nvPr>
+            <p:ph type="sldImg"/>
+          </p:nvPr>
+        </p:nvSpPr>
+        <p:spPr/>
+      </p:sp>
+      <p:sp>
+        <p:nvSpPr>
+          <p:cNvPr id="3" name="Notes Placeholder 2"/>
+          <p:cNvSpPr>
+            <a:spLocks noGrp="1"/>
+          </p:cNvSpPr>
+          <p:nvPr>
+            <p:ph type="body" idx="1"/>
+          </p:nvPr>
+        </p:nvSpPr>
+        <p:spPr/>
+        <p:txBody>
+          <a:bodyPr/>
+          <a:lstStyle/>
+          <a:p>
+            <a:r>
+              <a:rPr lang="en-US" sz="1200" b="0" kern="1200" dirty="0">
+                <a:solidFill>
+                  <a:schemeClr val="tx1"/>
+                </a:solidFill>
+                <a:effectLst/>
+                <a:latin typeface="+mn-lt"/>
+                <a:ea typeface="+mn-ea"/>
+                <a:cs typeface="+mn-cs"/>
+              </a:rPr>
+              <a:t>It has an emphasis on safety, performance and productivity.</a:t>
+            </a:r>
+          </a:p>
+          <a:p>
+            <a:endParaRPr lang="en-US" sz="1200" b="0" kern="1200" dirty="0">
+              <a:solidFill>
+                <a:schemeClr val="tx1"/>
+              </a:solidFill>
+              <a:effectLst/>
+              <a:latin typeface="+mn-lt"/>
+              <a:ea typeface="+mn-ea"/>
+              <a:cs typeface="+mn-cs"/>
+            </a:endParaRPr>
+          </a:p>
+          <a:p>
+            <a:r>
+              <a:rPr lang="en-US" sz="1200" b="0" kern="1200" dirty="0">
+                <a:solidFill>
+                  <a:schemeClr val="tx1"/>
+                </a:solidFill>
+                <a:effectLst/>
+                <a:latin typeface="+mn-lt"/>
+                <a:ea typeface="+mn-ea"/>
+                <a:cs typeface="+mn-cs"/>
+              </a:rPr>
+              <a:t>It bought it and cargo (a package manager for rust) are the most admired tools used by </a:t>
+            </a:r>
+            <a:r>
+              <a:rPr lang="en-US" sz="1200" b="0" kern="1200" dirty="0" err="1">
+                <a:solidFill>
+                  <a:schemeClr val="tx1"/>
+                </a:solidFill>
+                <a:effectLst/>
+                <a:latin typeface="+mn-lt"/>
+                <a:ea typeface="+mn-ea"/>
+                <a:cs typeface="+mn-cs"/>
+              </a:rPr>
+              <a:t>programers</a:t>
+            </a:r>
+            <a:r>
+              <a:rPr lang="en-US" sz="1200" b="0" kern="1200" dirty="0">
+                <a:solidFill>
+                  <a:schemeClr val="tx1"/>
+                </a:solidFill>
+                <a:effectLst/>
+                <a:latin typeface="+mn-lt"/>
+                <a:ea typeface="+mn-ea"/>
+                <a:cs typeface="+mn-cs"/>
+              </a:rPr>
+              <a:t> in the stack overflow survey of 2025.</a:t>
+            </a:r>
+          </a:p>
+          <a:p>
+            <a:endParaRPr lang="en-US" sz="1200" b="0" kern="1200" dirty="0">
+              <a:solidFill>
+                <a:schemeClr val="tx1"/>
+              </a:solidFill>
+              <a:effectLst/>
+              <a:latin typeface="+mn-lt"/>
+              <a:ea typeface="+mn-ea"/>
+              <a:cs typeface="+mn-cs"/>
+            </a:endParaRPr>
+          </a:p>
+          <a:p>
+            <a:r>
+              <a:rPr lang="en-US" sz="1200" b="0" kern="1200" dirty="0">
+                <a:solidFill>
+                  <a:schemeClr val="tx1"/>
+                </a:solidFill>
+                <a:effectLst/>
+                <a:latin typeface="+mn-lt"/>
+                <a:ea typeface="+mn-ea"/>
+                <a:cs typeface="+mn-cs"/>
+              </a:rPr>
+              <a:t>Used in windows components, discord backend and </a:t>
+            </a:r>
+            <a:r>
+              <a:rPr lang="en-US" sz="1200" b="0" kern="1200" dirty="0" err="1">
+                <a:solidFill>
+                  <a:schemeClr val="tx1"/>
+                </a:solidFill>
+                <a:effectLst/>
+                <a:latin typeface="+mn-lt"/>
+                <a:ea typeface="+mn-ea"/>
+                <a:cs typeface="+mn-cs"/>
+              </a:rPr>
+              <a:t>linux</a:t>
+            </a:r>
+            <a:r>
+              <a:rPr lang="en-US" sz="1200" b="0" kern="1200" dirty="0">
+                <a:solidFill>
+                  <a:schemeClr val="tx1"/>
+                </a:solidFill>
+                <a:effectLst/>
+                <a:latin typeface="+mn-lt"/>
+                <a:ea typeface="+mn-ea"/>
+                <a:cs typeface="+mn-cs"/>
+              </a:rPr>
+              <a:t> kernel.</a:t>
+            </a:r>
+          </a:p>
+          <a:p>
+            <a:endParaRPr lang="en-US" sz="1200" b="0" kern="1200" dirty="0">
+              <a:solidFill>
+                <a:schemeClr val="tx1"/>
+              </a:solidFill>
+              <a:effectLst/>
+              <a:latin typeface="+mn-lt"/>
+              <a:ea typeface="+mn-ea"/>
+              <a:cs typeface="+mn-cs"/>
+            </a:endParaRPr>
+          </a:p>
+          <a:p>
+            <a:r>
+              <a:rPr lang="en-US" sz="1200" b="0" kern="1200" dirty="0">
+                <a:solidFill>
+                  <a:schemeClr val="tx1"/>
+                </a:solidFill>
+                <a:effectLst/>
+                <a:latin typeface="+mn-lt"/>
+                <a:ea typeface="+mn-ea"/>
+                <a:cs typeface="+mn-cs"/>
+              </a:rPr>
+              <a:t>Discord switched from go to rust because of the problems that a garbage collector caused in their connection.</a:t>
+            </a:r>
+          </a:p>
+          <a:p>
+            <a:endParaRPr lang="en-US" dirty="0"/>
+          </a:p>
+        </p:txBody>
+      </p:sp>
+      <p:sp>
+        <p:nvSpPr>
+          <p:cNvPr id="4" name="Slide Number Placeholder 3"/>
+          <p:cNvSpPr>
+            <a:spLocks noGrp="1"/>
+          </p:cNvSpPr>
+          <p:nvPr>
+            <p:ph type="sldNum" sz="quarter" idx="5"/>
+          </p:nvPr>
+        </p:nvSpPr>
+        <p:spPr/>
+        <p:txBody>
+          <a:bodyPr/>
+          <a:lstStyle/>
+          <a:p>
+            <a:fld id="{791E7DFB-44F9-47A0-9F90-F8BE7D449499}" type="slidenum">
+              <a:rPr lang="en-US" smtClean="0"/>
+              <a:t>2</a:t>
+            </a:fld>
+            <a:endParaRPr lang="en-US"/>
+          </a:p>
+        </p:txBody>
+      </p:sp>
+    </p:spTree>
+    <p:extLst>
+      <p:ext uri="{BB962C8B-B14F-4D97-AF65-F5344CB8AC3E}">
+        <p14:creationId xmlns:p14="http://schemas.microsoft.com/office/powerpoint/2010/main" val="1744986778"/>
+      </p:ext>
+    </p:extLst>
+  </p:cSld>
+  <p:clrMapOvr>
+    <a:masterClrMapping/>
+  </p:clrMapOvr>
+</p:notes>
+</file>
+
+<file path=ppt/notesSlides/notesSlide3.xml><?xml version="1.0" encoding="utf-8"?>
+<p:notes xmlns:a="http://schemas.openxmlformats.org/drawingml/2006/main" xmlns:r="http://schemas.openxmlformats.org/officeDocument/2006/relationships" xmlns:p="http://schemas.openxmlformats.org/presentationml/2006/main">
+  <p:cSld>
+    <p:spTree>
+      <p:nvGrpSpPr>
+        <p:cNvPr id="1" name=""/>
+        <p:cNvGrpSpPr/>
+        <p:nvPr/>
+      </p:nvGrpSpPr>
+      <p:grpSpPr>
+        <a:xfrm>
+          <a:off x="0" y="0"/>
+          <a:ext cx="0" cy="0"/>
+          <a:chOff x="0" y="0"/>
+          <a:chExt cx="0" cy="0"/>
+        </a:xfrm>
+      </p:grpSpPr>
+      <p:sp>
+        <p:nvSpPr>
+          <p:cNvPr id="2" name="Slide Image Placeholder 1"/>
+          <p:cNvSpPr>
+            <a:spLocks noGrp="1" noRot="1" noChangeAspect="1"/>
+          </p:cNvSpPr>
+          <p:nvPr>
+            <p:ph type="sldImg"/>
+          </p:nvPr>
+        </p:nvSpPr>
+        <p:spPr/>
+      </p:sp>
+      <p:sp>
+        <p:nvSpPr>
+          <p:cNvPr id="3" name="Notes Placeholder 2"/>
+          <p:cNvSpPr>
+            <a:spLocks noGrp="1"/>
+          </p:cNvSpPr>
+          <p:nvPr>
+            <p:ph type="body" idx="1"/>
+          </p:nvPr>
+        </p:nvSpPr>
+        <p:spPr/>
+        <p:txBody>
+          <a:bodyPr/>
+          <a:lstStyle/>
+          <a:p>
+            <a:r>
+              <a:rPr lang="en-US" sz="1200" b="0" kern="1200" dirty="0">
+                <a:solidFill>
+                  <a:schemeClr val="tx1"/>
+                </a:solidFill>
+                <a:effectLst/>
+                <a:latin typeface="+mn-lt"/>
+                <a:ea typeface="+mn-ea"/>
+                <a:cs typeface="+mn-cs"/>
+              </a:rPr>
+              <a:t>Rust achieves good safety, performance and productivity due to the following features and others. These are some of the most important.</a:t>
+            </a:r>
+          </a:p>
+          <a:p>
+            <a:r>
+              <a:rPr lang="en-US" sz="1200" b="0" kern="1200" dirty="0">
+                <a:solidFill>
+                  <a:schemeClr val="tx1"/>
+                </a:solidFill>
+                <a:effectLst/>
+                <a:latin typeface="+mn-lt"/>
+                <a:ea typeface="+mn-ea"/>
+                <a:cs typeface="+mn-cs"/>
+              </a:rPr>
+              <a:t>- Memory safety without garbage collector: it makes rust extremely fast since the </a:t>
+            </a:r>
+            <a:r>
+              <a:rPr lang="en-US" sz="1200" b="0" kern="1200" dirty="0" err="1">
+                <a:solidFill>
+                  <a:schemeClr val="tx1"/>
+                </a:solidFill>
+                <a:effectLst/>
+                <a:latin typeface="+mn-lt"/>
+                <a:ea typeface="+mn-ea"/>
+                <a:cs typeface="+mn-cs"/>
+              </a:rPr>
+              <a:t>programer</a:t>
+            </a:r>
+            <a:r>
+              <a:rPr lang="en-US" sz="1200" b="0" kern="1200" dirty="0">
+                <a:solidFill>
+                  <a:schemeClr val="tx1"/>
+                </a:solidFill>
+                <a:effectLst/>
+                <a:latin typeface="+mn-lt"/>
+                <a:ea typeface="+mn-ea"/>
+                <a:cs typeface="+mn-cs"/>
+              </a:rPr>
+              <a:t> manages memory directly similarly to C without memory leaks or similar problems.</a:t>
+            </a:r>
+          </a:p>
+          <a:p>
+            <a:r>
+              <a:rPr lang="en-US" sz="1200" b="0" kern="1200" dirty="0">
+                <a:solidFill>
+                  <a:schemeClr val="tx1"/>
+                </a:solidFill>
+                <a:effectLst/>
+                <a:latin typeface="+mn-lt"/>
+                <a:ea typeface="+mn-ea"/>
+                <a:cs typeface="+mn-cs"/>
+              </a:rPr>
+              <a:t>- Cargo package manager: helps manage libraries and packages without the fear of versions causing problems</a:t>
+            </a:r>
+          </a:p>
+          <a:p>
+            <a:r>
+              <a:rPr lang="en-US" sz="1200" b="0" kern="1200" dirty="0">
+                <a:solidFill>
+                  <a:schemeClr val="tx1"/>
+                </a:solidFill>
+                <a:effectLst/>
+                <a:latin typeface="+mn-lt"/>
+                <a:ea typeface="+mn-ea"/>
+                <a:cs typeface="+mn-cs"/>
+              </a:rPr>
+              <a:t>- Pattern marching: helps manage errors or problems without the risk of the program having unintended behavior</a:t>
+            </a:r>
+          </a:p>
+          <a:p>
+            <a:r>
+              <a:rPr lang="en-US" sz="1200" b="0" kern="1200" dirty="0">
+                <a:solidFill>
+                  <a:schemeClr val="tx1"/>
+                </a:solidFill>
+                <a:effectLst/>
+                <a:latin typeface="+mn-lt"/>
+                <a:ea typeface="+mn-ea"/>
+                <a:cs typeface="+mn-cs"/>
+              </a:rPr>
+              <a:t>- Comprehensive error messages: rust has extremely good and detailed error messages due to all types being known at compile time</a:t>
+            </a:r>
+          </a:p>
+          <a:p>
+            <a:r>
+              <a:rPr lang="en-US" sz="1200" b="0" kern="1200" dirty="0">
+                <a:solidFill>
+                  <a:schemeClr val="tx1"/>
+                </a:solidFill>
+                <a:effectLst/>
+                <a:latin typeface="+mn-lt"/>
+                <a:ea typeface="+mn-ea"/>
+                <a:cs typeface="+mn-cs"/>
+              </a:rPr>
+              <a:t>- Safe concurrency: rust inherently preventing problems such as race conditions</a:t>
+            </a:r>
+          </a:p>
+          <a:p>
+            <a:r>
+              <a:rPr lang="en-US" sz="1200" b="0" kern="1200" dirty="0">
+                <a:solidFill>
+                  <a:schemeClr val="tx1"/>
+                </a:solidFill>
+                <a:effectLst/>
+                <a:latin typeface="+mn-lt"/>
+                <a:ea typeface="+mn-ea"/>
+                <a:cs typeface="+mn-cs"/>
+              </a:rPr>
+              <a:t>- Zero cost abstractions: Using abstraction (structs, functions </a:t>
+            </a:r>
+            <a:r>
+              <a:rPr lang="en-US" sz="1200" b="0" kern="1200" dirty="0" err="1">
+                <a:solidFill>
+                  <a:schemeClr val="tx1"/>
+                </a:solidFill>
+                <a:effectLst/>
+                <a:latin typeface="+mn-lt"/>
+                <a:ea typeface="+mn-ea"/>
+                <a:cs typeface="+mn-cs"/>
+              </a:rPr>
+              <a:t>etc</a:t>
+            </a:r>
+            <a:r>
+              <a:rPr lang="en-US" sz="1200" b="0" kern="1200" dirty="0">
+                <a:solidFill>
+                  <a:schemeClr val="tx1"/>
+                </a:solidFill>
+                <a:effectLst/>
+                <a:latin typeface="+mn-lt"/>
+                <a:ea typeface="+mn-ea"/>
+                <a:cs typeface="+mn-cs"/>
+              </a:rPr>
+              <a:t>) does not cause loss of performance</a:t>
+            </a:r>
+          </a:p>
+          <a:p>
+            <a:r>
+              <a:rPr lang="en-US" sz="1200" b="0" kern="1200" dirty="0">
+                <a:solidFill>
+                  <a:schemeClr val="tx1"/>
+                </a:solidFill>
+                <a:effectLst/>
+                <a:latin typeface="+mn-lt"/>
+                <a:ea typeface="+mn-ea"/>
+                <a:cs typeface="+mn-cs"/>
+              </a:rPr>
+              <a:t>- Modern syntax: Rust has learned from older languages what to avoid and as such it tends to have cleaner shorter syntax.</a:t>
+            </a:r>
+          </a:p>
+          <a:p>
+            <a:endParaRPr lang="en-US" dirty="0"/>
+          </a:p>
+        </p:txBody>
+      </p:sp>
+      <p:sp>
+        <p:nvSpPr>
+          <p:cNvPr id="4" name="Slide Number Placeholder 3"/>
+          <p:cNvSpPr>
+            <a:spLocks noGrp="1"/>
+          </p:cNvSpPr>
+          <p:nvPr>
+            <p:ph type="sldNum" sz="quarter" idx="5"/>
+          </p:nvPr>
+        </p:nvSpPr>
+        <p:spPr/>
+        <p:txBody>
+          <a:bodyPr/>
+          <a:lstStyle/>
+          <a:p>
+            <a:fld id="{791E7DFB-44F9-47A0-9F90-F8BE7D449499}" type="slidenum">
+              <a:rPr lang="en-US" smtClean="0"/>
+              <a:t>3</a:t>
+            </a:fld>
+            <a:endParaRPr lang="en-US"/>
+          </a:p>
+        </p:txBody>
+      </p:sp>
+    </p:spTree>
+    <p:extLst>
+      <p:ext uri="{BB962C8B-B14F-4D97-AF65-F5344CB8AC3E}">
+        <p14:creationId xmlns:p14="http://schemas.microsoft.com/office/powerpoint/2010/main" val="3083993866"/>
+      </p:ext>
+    </p:extLst>
+  </p:cSld>
+  <p:clrMapOvr>
+    <a:masterClrMapping/>
+  </p:clrMapOvr>
+</p:notes>
+</file>
+
+<file path=ppt/notesSlides/notesSlide4.xml><?xml version="1.0" encoding="utf-8"?>
+<p:notes xmlns:a="http://schemas.openxmlformats.org/drawingml/2006/main" xmlns:r="http://schemas.openxmlformats.org/officeDocument/2006/relationships" xmlns:p="http://schemas.openxmlformats.org/presentationml/2006/main">
+  <p:cSld>
+    <p:spTree>
+      <p:nvGrpSpPr>
+        <p:cNvPr id="1" name=""/>
+        <p:cNvGrpSpPr/>
+        <p:nvPr/>
+      </p:nvGrpSpPr>
+      <p:grpSpPr>
+        <a:xfrm>
+          <a:off x="0" y="0"/>
+          <a:ext cx="0" cy="0"/>
+          <a:chOff x="0" y="0"/>
+          <a:chExt cx="0" cy="0"/>
+        </a:xfrm>
+      </p:grpSpPr>
+      <p:sp>
+        <p:nvSpPr>
+          <p:cNvPr id="2" name="Slide Image Placeholder 1"/>
+          <p:cNvSpPr>
+            <a:spLocks noGrp="1" noRot="1" noChangeAspect="1"/>
+          </p:cNvSpPr>
+          <p:nvPr>
+            <p:ph type="sldImg"/>
+          </p:nvPr>
+        </p:nvSpPr>
+        <p:spPr/>
+      </p:sp>
+      <p:sp>
+        <p:nvSpPr>
+          <p:cNvPr id="3" name="Notes Placeholder 2"/>
+          <p:cNvSpPr>
+            <a:spLocks noGrp="1"/>
+          </p:cNvSpPr>
+          <p:nvPr>
+            <p:ph type="body" idx="1"/>
+          </p:nvPr>
+        </p:nvSpPr>
+        <p:spPr/>
+        <p:txBody>
+          <a:bodyPr/>
+          <a:lstStyle/>
+          <a:p>
+            <a:r>
+              <a:rPr lang="en-US" sz="1200" b="0" kern="1200" dirty="0">
+                <a:solidFill>
+                  <a:schemeClr val="tx1"/>
+                </a:solidFill>
+                <a:effectLst/>
+                <a:latin typeface="+mn-lt"/>
+                <a:ea typeface="+mn-ea"/>
+                <a:cs typeface="+mn-cs"/>
+              </a:rPr>
+              <a:t>To give you a better idea of Rust we have compared it to two other languages </a:t>
+            </a:r>
+            <a:r>
+              <a:rPr lang="en-US" sz="1200" b="0" kern="1200" dirty="0" err="1">
+                <a:solidFill>
+                  <a:schemeClr val="tx1"/>
+                </a:solidFill>
+                <a:effectLst/>
+                <a:latin typeface="+mn-lt"/>
+                <a:ea typeface="+mn-ea"/>
+                <a:cs typeface="+mn-cs"/>
+              </a:rPr>
+              <a:t>c++</a:t>
+            </a:r>
+            <a:r>
+              <a:rPr lang="en-US" sz="1200" b="0" kern="1200" dirty="0">
+                <a:solidFill>
+                  <a:schemeClr val="tx1"/>
+                </a:solidFill>
+                <a:effectLst/>
+                <a:latin typeface="+mn-lt"/>
+                <a:ea typeface="+mn-ea"/>
+                <a:cs typeface="+mn-cs"/>
+              </a:rPr>
+              <a:t> and java</a:t>
+            </a:r>
+          </a:p>
+          <a:p>
+            <a:r>
+              <a:rPr lang="en-US" sz="1200" b="0" kern="1200" dirty="0">
+                <a:solidFill>
+                  <a:schemeClr val="tx1"/>
+                </a:solidFill>
+                <a:effectLst/>
+                <a:latin typeface="+mn-lt"/>
+                <a:ea typeface="+mn-ea"/>
+                <a:cs typeface="+mn-cs"/>
+              </a:rPr>
+              <a:t>- Memory safety: rust does not suffer memory leaks, </a:t>
+            </a:r>
+            <a:r>
+              <a:rPr lang="en-US" sz="1200" b="0" kern="1200" dirty="0" err="1">
+                <a:solidFill>
+                  <a:schemeClr val="tx1"/>
+                </a:solidFill>
+                <a:effectLst/>
+                <a:latin typeface="+mn-lt"/>
+                <a:ea typeface="+mn-ea"/>
+                <a:cs typeface="+mn-cs"/>
+              </a:rPr>
+              <a:t>c++</a:t>
+            </a:r>
+            <a:r>
+              <a:rPr lang="en-US" sz="1200" b="0" kern="1200" dirty="0">
+                <a:solidFill>
+                  <a:schemeClr val="tx1"/>
+                </a:solidFill>
+                <a:effectLst/>
+                <a:latin typeface="+mn-lt"/>
+                <a:ea typeface="+mn-ea"/>
+                <a:cs typeface="+mn-cs"/>
+              </a:rPr>
+              <a:t> does and java avoid it trough a garbage collector</a:t>
+            </a:r>
+          </a:p>
+          <a:p>
+            <a:r>
+              <a:rPr lang="en-US" sz="1200" b="0" kern="1200" dirty="0">
+                <a:solidFill>
+                  <a:schemeClr val="tx1"/>
+                </a:solidFill>
+                <a:effectLst/>
+                <a:latin typeface="+mn-lt"/>
+                <a:ea typeface="+mn-ea"/>
+                <a:cs typeface="+mn-cs"/>
+              </a:rPr>
+              <a:t>- Concurrency: unlike </a:t>
+            </a:r>
+            <a:r>
+              <a:rPr lang="en-US" sz="1200" b="0" kern="1200" dirty="0" err="1">
+                <a:solidFill>
+                  <a:schemeClr val="tx1"/>
+                </a:solidFill>
+                <a:effectLst/>
+                <a:latin typeface="+mn-lt"/>
+                <a:ea typeface="+mn-ea"/>
+                <a:cs typeface="+mn-cs"/>
+              </a:rPr>
+              <a:t>c++</a:t>
+            </a:r>
+            <a:r>
+              <a:rPr lang="en-US" sz="1200" b="0" kern="1200" dirty="0">
+                <a:solidFill>
+                  <a:schemeClr val="tx1"/>
+                </a:solidFill>
+                <a:effectLst/>
+                <a:latin typeface="+mn-lt"/>
+                <a:ea typeface="+mn-ea"/>
+                <a:cs typeface="+mn-cs"/>
+              </a:rPr>
+              <a:t> and java rust has features specifically build in to avoid problems such as race conditions</a:t>
+            </a:r>
+          </a:p>
+          <a:p>
+            <a:r>
+              <a:rPr lang="en-US" sz="1200" b="0" kern="1200" dirty="0">
+                <a:solidFill>
+                  <a:schemeClr val="tx1"/>
+                </a:solidFill>
+                <a:effectLst/>
+                <a:latin typeface="+mn-lt"/>
+                <a:ea typeface="+mn-ea"/>
+                <a:cs typeface="+mn-cs"/>
+              </a:rPr>
+              <a:t>- Performance: high in rust and </a:t>
+            </a:r>
+            <a:r>
+              <a:rPr lang="en-US" sz="1200" b="0" kern="1200" dirty="0" err="1">
+                <a:solidFill>
+                  <a:schemeClr val="tx1"/>
+                </a:solidFill>
+                <a:effectLst/>
+                <a:latin typeface="+mn-lt"/>
+                <a:ea typeface="+mn-ea"/>
+                <a:cs typeface="+mn-cs"/>
+              </a:rPr>
+              <a:t>c++</a:t>
+            </a:r>
+            <a:r>
+              <a:rPr lang="en-US" sz="1200" b="0" kern="1200" dirty="0">
+                <a:solidFill>
+                  <a:schemeClr val="tx1"/>
+                </a:solidFill>
+                <a:effectLst/>
+                <a:latin typeface="+mn-lt"/>
+                <a:ea typeface="+mn-ea"/>
+                <a:cs typeface="+mn-cs"/>
+              </a:rPr>
+              <a:t> due to the lack of features like the java garbage collector that impact performance</a:t>
+            </a:r>
+          </a:p>
+          <a:p>
+            <a:r>
+              <a:rPr lang="en-US" sz="1200" b="0" kern="1200" dirty="0">
+                <a:solidFill>
+                  <a:schemeClr val="tx1"/>
+                </a:solidFill>
+                <a:effectLst/>
+                <a:latin typeface="+mn-lt"/>
+                <a:ea typeface="+mn-ea"/>
+                <a:cs typeface="+mn-cs"/>
+              </a:rPr>
+              <a:t>- Ease of learning: rust tends to be harder to use due to the difficulties its safeguards can cause</a:t>
+            </a:r>
+          </a:p>
+          <a:p>
+            <a:r>
+              <a:rPr lang="en-US" sz="1200" b="0" kern="1200" dirty="0">
+                <a:solidFill>
+                  <a:schemeClr val="tx1"/>
+                </a:solidFill>
+                <a:effectLst/>
+                <a:latin typeface="+mn-lt"/>
+                <a:ea typeface="+mn-ea"/>
+                <a:cs typeface="+mn-cs"/>
+              </a:rPr>
+              <a:t>- Ecosystem: rust is much less used compared to the most popular languages. It is however one of the more popular and currently rising</a:t>
+            </a:r>
+          </a:p>
+          <a:p>
+            <a:r>
+              <a:rPr lang="en-US" sz="1200" b="0" kern="1200" dirty="0">
+                <a:solidFill>
+                  <a:schemeClr val="tx1"/>
+                </a:solidFill>
+                <a:effectLst/>
+                <a:latin typeface="+mn-lt"/>
+                <a:ea typeface="+mn-ea"/>
+                <a:cs typeface="+mn-cs"/>
+              </a:rPr>
+              <a:t>- Use in legacy systems: due to its relative recency rust is less used in already established system making it less likely that you will use it for a job</a:t>
+            </a:r>
+          </a:p>
+          <a:p>
+            <a:endParaRPr lang="en-US" dirty="0"/>
+          </a:p>
+        </p:txBody>
+      </p:sp>
+      <p:sp>
+        <p:nvSpPr>
+          <p:cNvPr id="4" name="Slide Number Placeholder 3"/>
+          <p:cNvSpPr>
+            <a:spLocks noGrp="1"/>
+          </p:cNvSpPr>
+          <p:nvPr>
+            <p:ph type="sldNum" sz="quarter" idx="5"/>
+          </p:nvPr>
+        </p:nvSpPr>
+        <p:spPr/>
+        <p:txBody>
+          <a:bodyPr/>
+          <a:lstStyle/>
+          <a:p>
+            <a:fld id="{791E7DFB-44F9-47A0-9F90-F8BE7D449499}" type="slidenum">
+              <a:rPr lang="en-US" smtClean="0"/>
+              <a:t>4</a:t>
+            </a:fld>
+            <a:endParaRPr lang="en-US"/>
+          </a:p>
+        </p:txBody>
+      </p:sp>
+    </p:spTree>
+    <p:extLst>
+      <p:ext uri="{BB962C8B-B14F-4D97-AF65-F5344CB8AC3E}">
+        <p14:creationId xmlns:p14="http://schemas.microsoft.com/office/powerpoint/2010/main" val="3139228053"/>
+      </p:ext>
+    </p:extLst>
+  </p:cSld>
+  <p:clrMapOvr>
+    <a:masterClrMapping/>
+  </p:clrMapOvr>
+</p:notes>
+</file>
+
+<file path=ppt/notesSlides/notesSlide5.xml><?xml version="1.0" encoding="utf-8"?>
+<p:notes xmlns:a="http://schemas.openxmlformats.org/drawingml/2006/main" xmlns:r="http://schemas.openxmlformats.org/officeDocument/2006/relationships" xmlns:p="http://schemas.openxmlformats.org/presentationml/2006/main">
+  <p:cSld>
+    <p:spTree>
+      <p:nvGrpSpPr>
+        <p:cNvPr id="1" name=""/>
+        <p:cNvGrpSpPr/>
+        <p:nvPr/>
+      </p:nvGrpSpPr>
+      <p:grpSpPr>
+        <a:xfrm>
+          <a:off x="0" y="0"/>
+          <a:ext cx="0" cy="0"/>
+          <a:chOff x="0" y="0"/>
+          <a:chExt cx="0" cy="0"/>
+        </a:xfrm>
+      </p:grpSpPr>
+      <p:sp>
+        <p:nvSpPr>
+          <p:cNvPr id="2" name="Slide Image Placeholder 1"/>
+          <p:cNvSpPr>
+            <a:spLocks noGrp="1" noRot="1" noChangeAspect="1"/>
+          </p:cNvSpPr>
+          <p:nvPr>
+            <p:ph type="sldImg"/>
+          </p:nvPr>
+        </p:nvSpPr>
+        <p:spPr/>
+      </p:sp>
+      <p:sp>
+        <p:nvSpPr>
+          <p:cNvPr id="3" name="Notes Placeholder 2"/>
+          <p:cNvSpPr>
+            <a:spLocks noGrp="1"/>
+          </p:cNvSpPr>
+          <p:nvPr>
+            <p:ph type="body" idx="1"/>
+          </p:nvPr>
+        </p:nvSpPr>
+        <p:spPr/>
+        <p:txBody>
+          <a:bodyPr/>
+          <a:lstStyle/>
+          <a:p>
+            <a:pPr marL="0" marR="0" lvl="0" indent="0" algn="l" defTabSz="914400" rtl="0" eaLnBrk="1" fontAlgn="auto" latinLnBrk="0" hangingPunct="1">
+              <a:lnSpc>
+                <a:spcPct val="100000"/>
+              </a:lnSpc>
+              <a:spcBef>
+                <a:spcPts val="0"/>
+              </a:spcBef>
+              <a:spcAft>
+                <a:spcPts val="0"/>
+              </a:spcAft>
+              <a:buClrTx/>
+              <a:buSzTx/>
+              <a:buFontTx/>
+              <a:buNone/>
+              <a:tabLst/>
+              <a:defRPr/>
+            </a:pPr>
+            <a:r>
+              <a:rPr lang="en-US" sz="1200" b="0" kern="1200" dirty="0">
+                <a:solidFill>
+                  <a:schemeClr val="tx1"/>
+                </a:solidFill>
+                <a:effectLst/>
+                <a:latin typeface="+mn-lt"/>
+                <a:ea typeface="+mn-ea"/>
+                <a:cs typeface="+mn-cs"/>
+              </a:rPr>
+              <a:t>Cargo is a rust package manager it helps you create new projects and manage libraries. New project can be created running and run using cargo commands and libraries can be added by just typing the name and version in the cargo </a:t>
+            </a:r>
+            <a:r>
+              <a:rPr lang="en-US" sz="1200" b="0" kern="1200" dirty="0" err="1">
+                <a:solidFill>
+                  <a:schemeClr val="tx1"/>
+                </a:solidFill>
+                <a:effectLst/>
+                <a:latin typeface="+mn-lt"/>
+                <a:ea typeface="+mn-ea"/>
+                <a:cs typeface="+mn-cs"/>
+              </a:rPr>
+              <a:t>toml</a:t>
+            </a:r>
+            <a:r>
+              <a:rPr lang="en-US" sz="1200" b="0" kern="1200" dirty="0">
+                <a:solidFill>
+                  <a:schemeClr val="tx1"/>
+                </a:solidFill>
+                <a:effectLst/>
+                <a:latin typeface="+mn-lt"/>
+                <a:ea typeface="+mn-ea"/>
+                <a:cs typeface="+mn-cs"/>
+              </a:rPr>
+              <a:t> file. When you update the </a:t>
+            </a:r>
+            <a:r>
+              <a:rPr lang="en-US" sz="1200" b="0" kern="1200" dirty="0" err="1">
+                <a:solidFill>
+                  <a:schemeClr val="tx1"/>
+                </a:solidFill>
+                <a:effectLst/>
+                <a:latin typeface="+mn-lt"/>
+                <a:ea typeface="+mn-ea"/>
+                <a:cs typeface="+mn-cs"/>
+              </a:rPr>
+              <a:t>cargo.lock</a:t>
+            </a:r>
+            <a:r>
+              <a:rPr lang="en-US" sz="1200" b="0" kern="1200" dirty="0">
+                <a:solidFill>
+                  <a:schemeClr val="tx1"/>
+                </a:solidFill>
+                <a:effectLst/>
+                <a:latin typeface="+mn-lt"/>
+                <a:ea typeface="+mn-ea"/>
+                <a:cs typeface="+mn-cs"/>
+              </a:rPr>
+              <a:t> file makes sure that your libraries don't update in a way that makes them work differently without your express permission.</a:t>
+            </a:r>
+          </a:p>
+          <a:p>
+            <a:endParaRPr lang="en-US" dirty="0"/>
+          </a:p>
+        </p:txBody>
+      </p:sp>
+      <p:sp>
+        <p:nvSpPr>
+          <p:cNvPr id="4" name="Slide Number Placeholder 3"/>
+          <p:cNvSpPr>
+            <a:spLocks noGrp="1"/>
+          </p:cNvSpPr>
+          <p:nvPr>
+            <p:ph type="sldNum" sz="quarter" idx="5"/>
+          </p:nvPr>
+        </p:nvSpPr>
+        <p:spPr/>
+        <p:txBody>
+          <a:bodyPr/>
+          <a:lstStyle/>
+          <a:p>
+            <a:fld id="{791E7DFB-44F9-47A0-9F90-F8BE7D449499}" type="slidenum">
+              <a:rPr lang="en-US" smtClean="0"/>
+              <a:t>5</a:t>
+            </a:fld>
+            <a:endParaRPr lang="en-US"/>
+          </a:p>
+        </p:txBody>
+      </p:sp>
+    </p:spTree>
+    <p:extLst>
+      <p:ext uri="{BB962C8B-B14F-4D97-AF65-F5344CB8AC3E}">
+        <p14:creationId xmlns:p14="http://schemas.microsoft.com/office/powerpoint/2010/main" val="4240445997"/>
+      </p:ext>
+    </p:extLst>
+  </p:cSld>
+  <p:clrMapOvr>
+    <a:masterClrMapping/>
+  </p:clrMapOvr>
+</p:notes>
+</file>
+
+<file path=ppt/notesSlides/notesSlide6.xml><?xml version="1.0" encoding="utf-8"?>
+<p:notes xmlns:a="http://schemas.openxmlformats.org/drawingml/2006/main" xmlns:r="http://schemas.openxmlformats.org/officeDocument/2006/relationships" xmlns:p="http://schemas.openxmlformats.org/presentationml/2006/main">
+  <p:cSld>
+    <p:spTree>
+      <p:nvGrpSpPr>
+        <p:cNvPr id="1" name=""/>
+        <p:cNvGrpSpPr/>
+        <p:nvPr/>
+      </p:nvGrpSpPr>
+      <p:grpSpPr>
+        <a:xfrm>
+          <a:off x="0" y="0"/>
+          <a:ext cx="0" cy="0"/>
+          <a:chOff x="0" y="0"/>
+          <a:chExt cx="0" cy="0"/>
+        </a:xfrm>
+      </p:grpSpPr>
+      <p:sp>
+        <p:nvSpPr>
+          <p:cNvPr id="2" name="Slide Image Placeholder 1"/>
+          <p:cNvSpPr>
+            <a:spLocks noGrp="1" noRot="1" noChangeAspect="1"/>
+          </p:cNvSpPr>
+          <p:nvPr>
+            <p:ph type="sldImg"/>
+          </p:nvPr>
+        </p:nvSpPr>
+        <p:spPr/>
+      </p:sp>
+      <p:sp>
+        <p:nvSpPr>
+          <p:cNvPr id="3" name="Notes Placeholder 2"/>
+          <p:cNvSpPr>
+            <a:spLocks noGrp="1"/>
+          </p:cNvSpPr>
+          <p:nvPr>
+            <p:ph type="body" idx="1"/>
+          </p:nvPr>
+        </p:nvSpPr>
+        <p:spPr/>
+        <p:txBody>
+          <a:bodyPr/>
+          <a:lstStyle/>
+          <a:p>
+            <a:pPr marL="0" marR="0" lvl="0" indent="0" algn="l" defTabSz="914400" rtl="0" eaLnBrk="1" fontAlgn="auto" latinLnBrk="0" hangingPunct="1">
+              <a:lnSpc>
+                <a:spcPct val="100000"/>
+              </a:lnSpc>
+              <a:spcBef>
+                <a:spcPts val="0"/>
+              </a:spcBef>
+              <a:spcAft>
+                <a:spcPts val="0"/>
+              </a:spcAft>
+              <a:buClrTx/>
+              <a:buSzTx/>
+              <a:buFontTx/>
+              <a:buNone/>
+              <a:tabLst/>
+              <a:defRPr/>
+            </a:pPr>
+            <a:r>
+              <a:rPr lang="en-US" sz="1200" b="0" kern="1200" dirty="0">
+                <a:solidFill>
+                  <a:schemeClr val="tx1"/>
+                </a:solidFill>
+                <a:effectLst/>
+                <a:latin typeface="+mn-lt"/>
+                <a:ea typeface="+mn-ea"/>
+                <a:cs typeface="+mn-cs"/>
+              </a:rPr>
+              <a:t>The most basic features of rust is creating a variable. In the first example we have all variables of different types: signed, unsigned, float, bool, etc. In the second we have an example of a variable being changed. If you run this you will get an error.</a:t>
+            </a:r>
+          </a:p>
+          <a:p>
+            <a:endParaRPr lang="en-US" dirty="0"/>
+          </a:p>
+        </p:txBody>
+      </p:sp>
+      <p:sp>
+        <p:nvSpPr>
+          <p:cNvPr id="4" name="Slide Number Placeholder 3"/>
+          <p:cNvSpPr>
+            <a:spLocks noGrp="1"/>
+          </p:cNvSpPr>
+          <p:nvPr>
+            <p:ph type="sldNum" sz="quarter" idx="5"/>
+          </p:nvPr>
+        </p:nvSpPr>
+        <p:spPr/>
+        <p:txBody>
+          <a:bodyPr/>
+          <a:lstStyle/>
+          <a:p>
+            <a:fld id="{791E7DFB-44F9-47A0-9F90-F8BE7D449499}" type="slidenum">
+              <a:rPr lang="en-US" smtClean="0"/>
+              <a:t>6</a:t>
+            </a:fld>
+            <a:endParaRPr lang="en-US"/>
+          </a:p>
+        </p:txBody>
+      </p:sp>
+    </p:spTree>
+    <p:extLst>
+      <p:ext uri="{BB962C8B-B14F-4D97-AF65-F5344CB8AC3E}">
+        <p14:creationId xmlns:p14="http://schemas.microsoft.com/office/powerpoint/2010/main" val="3650478135"/>
+      </p:ext>
+    </p:extLst>
+  </p:cSld>
+  <p:clrMapOvr>
+    <a:masterClrMapping/>
+  </p:clrMapOvr>
+</p:notes>
+</file>
+
+<file path=ppt/notesSlides/notesSlide7.xml><?xml version="1.0" encoding="utf-8"?>
+<p:notes xmlns:a="http://schemas.openxmlformats.org/drawingml/2006/main" xmlns:r="http://schemas.openxmlformats.org/officeDocument/2006/relationships" xmlns:p="http://schemas.openxmlformats.org/presentationml/2006/main">
+  <p:cSld>
+    <p:spTree>
+      <p:nvGrpSpPr>
+        <p:cNvPr id="1" name=""/>
+        <p:cNvGrpSpPr/>
+        <p:nvPr/>
+      </p:nvGrpSpPr>
+      <p:grpSpPr>
+        <a:xfrm>
+          <a:off x="0" y="0"/>
+          <a:ext cx="0" cy="0"/>
+          <a:chOff x="0" y="0"/>
+          <a:chExt cx="0" cy="0"/>
+        </a:xfrm>
+      </p:grpSpPr>
+      <p:sp>
+        <p:nvSpPr>
+          <p:cNvPr id="2" name="Slide Image Placeholder 1"/>
+          <p:cNvSpPr>
+            <a:spLocks noGrp="1" noRot="1" noChangeAspect="1"/>
+          </p:cNvSpPr>
+          <p:nvPr>
+            <p:ph type="sldImg"/>
+          </p:nvPr>
+        </p:nvSpPr>
+        <p:spPr/>
+      </p:sp>
+      <p:sp>
+        <p:nvSpPr>
+          <p:cNvPr id="3" name="Notes Placeholder 2"/>
+          <p:cNvSpPr>
+            <a:spLocks noGrp="1"/>
+          </p:cNvSpPr>
+          <p:nvPr>
+            <p:ph type="body" idx="1"/>
+          </p:nvPr>
+        </p:nvSpPr>
+        <p:spPr/>
+        <p:txBody>
+          <a:bodyPr/>
+          <a:lstStyle/>
+          <a:p>
+            <a:r>
+              <a:rPr lang="en-US" sz="1200" b="0" kern="1200" dirty="0">
+                <a:solidFill>
+                  <a:schemeClr val="tx1"/>
+                </a:solidFill>
+                <a:effectLst/>
+                <a:latin typeface="+mn-lt"/>
+                <a:ea typeface="+mn-ea"/>
+                <a:cs typeface="+mn-cs"/>
+              </a:rPr>
+              <a:t>To have a variable be changeable you nit to use mut. This shows all other </a:t>
+            </a:r>
+            <a:r>
+              <a:rPr lang="en-US" sz="1200" b="0" kern="1200" dirty="0" err="1">
+                <a:solidFill>
+                  <a:schemeClr val="tx1"/>
+                </a:solidFill>
+                <a:effectLst/>
+                <a:latin typeface="+mn-lt"/>
+                <a:ea typeface="+mn-ea"/>
+                <a:cs typeface="+mn-cs"/>
+              </a:rPr>
+              <a:t>programers</a:t>
+            </a:r>
+            <a:r>
+              <a:rPr lang="en-US" sz="1200" b="0" kern="1200" dirty="0">
+                <a:solidFill>
+                  <a:schemeClr val="tx1"/>
+                </a:solidFill>
+                <a:effectLst/>
+                <a:latin typeface="+mn-lt"/>
+                <a:ea typeface="+mn-ea"/>
+                <a:cs typeface="+mn-cs"/>
+              </a:rPr>
+              <a:t> whether a variable is meant to be changed.</a:t>
+            </a:r>
+            <a:br>
+              <a:rPr lang="en-US" sz="1200" b="0" kern="1200" dirty="0">
+                <a:solidFill>
+                  <a:schemeClr val="tx1"/>
+                </a:solidFill>
+                <a:effectLst/>
+                <a:latin typeface="+mn-lt"/>
+                <a:ea typeface="+mn-ea"/>
+                <a:cs typeface="+mn-cs"/>
+              </a:rPr>
+            </a:br>
+            <a:endParaRPr lang="en-US" sz="1200" b="0" kern="1200" dirty="0">
+              <a:solidFill>
+                <a:schemeClr val="tx1"/>
+              </a:solidFill>
+              <a:effectLst/>
+              <a:latin typeface="+mn-lt"/>
+              <a:ea typeface="+mn-ea"/>
+              <a:cs typeface="+mn-cs"/>
+            </a:endParaRPr>
+          </a:p>
+          <a:p>
+            <a:r>
+              <a:rPr lang="en-US" sz="1200" b="0" kern="1200" dirty="0">
+                <a:solidFill>
+                  <a:schemeClr val="tx1"/>
+                </a:solidFill>
+                <a:effectLst/>
+                <a:latin typeface="+mn-lt"/>
+                <a:ea typeface="+mn-ea"/>
+                <a:cs typeface="+mn-cs"/>
+              </a:rPr>
+              <a:t>Shadowing is also an option for when you want to "change" a variable type or reuse a variable name.</a:t>
+            </a:r>
+          </a:p>
+          <a:p>
+            <a:endParaRPr lang="en-US" dirty="0"/>
+          </a:p>
+        </p:txBody>
+      </p:sp>
+      <p:sp>
+        <p:nvSpPr>
+          <p:cNvPr id="4" name="Slide Number Placeholder 3"/>
+          <p:cNvSpPr>
+            <a:spLocks noGrp="1"/>
+          </p:cNvSpPr>
+          <p:nvPr>
+            <p:ph type="sldNum" sz="quarter" idx="5"/>
+          </p:nvPr>
+        </p:nvSpPr>
+        <p:spPr/>
+        <p:txBody>
+          <a:bodyPr/>
+          <a:lstStyle/>
+          <a:p>
+            <a:fld id="{791E7DFB-44F9-47A0-9F90-F8BE7D449499}" type="slidenum">
+              <a:rPr lang="en-US" smtClean="0"/>
+              <a:t>7</a:t>
+            </a:fld>
+            <a:endParaRPr lang="en-US"/>
+          </a:p>
+        </p:txBody>
+      </p:sp>
+    </p:spTree>
+    <p:extLst>
+      <p:ext uri="{BB962C8B-B14F-4D97-AF65-F5344CB8AC3E}">
+        <p14:creationId xmlns:p14="http://schemas.microsoft.com/office/powerpoint/2010/main" val="3377232328"/>
+      </p:ext>
+    </p:extLst>
+  </p:cSld>
+  <p:clrMapOvr>
+    <a:masterClrMapping/>
+  </p:clrMapOvr>
+</p:notes>
+</file>
+
+<file path=ppt/notesSlides/notesSlide8.xml><?xml version="1.0" encoding="utf-8"?>
+<p:notes xmlns:a="http://schemas.openxmlformats.org/drawingml/2006/main" xmlns:r="http://schemas.openxmlformats.org/officeDocument/2006/relationships" xmlns:p="http://schemas.openxmlformats.org/presentationml/2006/main">
+  <p:cSld>
+    <p:spTree>
+      <p:nvGrpSpPr>
+        <p:cNvPr id="1" name=""/>
+        <p:cNvGrpSpPr/>
+        <p:nvPr/>
+      </p:nvGrpSpPr>
+      <p:grpSpPr>
+        <a:xfrm>
+          <a:off x="0" y="0"/>
+          <a:ext cx="0" cy="0"/>
+          <a:chOff x="0" y="0"/>
+          <a:chExt cx="0" cy="0"/>
+        </a:xfrm>
+      </p:grpSpPr>
+      <p:sp>
+        <p:nvSpPr>
+          <p:cNvPr id="2" name="Slide Image Placeholder 1"/>
+          <p:cNvSpPr>
+            <a:spLocks noGrp="1" noRot="1" noChangeAspect="1"/>
+          </p:cNvSpPr>
+          <p:nvPr>
+            <p:ph type="sldImg"/>
+          </p:nvPr>
+        </p:nvSpPr>
+        <p:spPr/>
+      </p:sp>
+      <p:sp>
+        <p:nvSpPr>
+          <p:cNvPr id="3" name="Notes Placeholder 2"/>
+          <p:cNvSpPr>
+            <a:spLocks noGrp="1"/>
+          </p:cNvSpPr>
+          <p:nvPr>
+            <p:ph type="body" idx="1"/>
+          </p:nvPr>
+        </p:nvSpPr>
+        <p:spPr/>
+        <p:txBody>
+          <a:bodyPr/>
+          <a:lstStyle/>
+          <a:p>
+            <a:r>
+              <a:rPr lang="en-US" sz="1200" b="0" kern="1200" dirty="0">
+                <a:solidFill>
+                  <a:schemeClr val="tx1"/>
+                </a:solidFill>
+                <a:effectLst/>
+                <a:latin typeface="+mn-lt"/>
+                <a:ea typeface="+mn-ea"/>
+                <a:cs typeface="+mn-cs"/>
+              </a:rPr>
+              <a:t>Here are examples if, while and for the structures that you already know. Of note is the fact that if can be used to initialize/change variables and for iterates trough a list rather that incrementing a variable </a:t>
+            </a:r>
+            <a:r>
+              <a:rPr lang="en-US" sz="1200" b="0" kern="1200" dirty="0" err="1">
+                <a:solidFill>
+                  <a:schemeClr val="tx1"/>
+                </a:solidFill>
+                <a:effectLst/>
+                <a:latin typeface="+mn-lt"/>
+                <a:ea typeface="+mn-ea"/>
+                <a:cs typeface="+mn-cs"/>
+              </a:rPr>
+              <a:t>i</a:t>
+            </a:r>
+            <a:r>
+              <a:rPr lang="en-US" sz="1200" b="0" kern="1200" dirty="0">
+                <a:solidFill>
+                  <a:schemeClr val="tx1"/>
+                </a:solidFill>
+                <a:effectLst/>
+                <a:latin typeface="+mn-lt"/>
+                <a:ea typeface="+mn-ea"/>
+                <a:cs typeface="+mn-cs"/>
+              </a:rPr>
+              <a:t>.</a:t>
+            </a:r>
+          </a:p>
+        </p:txBody>
+      </p:sp>
+      <p:sp>
+        <p:nvSpPr>
+          <p:cNvPr id="4" name="Slide Number Placeholder 3"/>
+          <p:cNvSpPr>
+            <a:spLocks noGrp="1"/>
+          </p:cNvSpPr>
+          <p:nvPr>
+            <p:ph type="sldNum" sz="quarter" idx="5"/>
+          </p:nvPr>
+        </p:nvSpPr>
+        <p:spPr/>
+        <p:txBody>
+          <a:bodyPr/>
+          <a:lstStyle/>
+          <a:p>
+            <a:fld id="{791E7DFB-44F9-47A0-9F90-F8BE7D449499}" type="slidenum">
+              <a:rPr lang="en-US" smtClean="0"/>
+              <a:t>8</a:t>
+            </a:fld>
+            <a:endParaRPr lang="en-US"/>
+          </a:p>
+        </p:txBody>
+      </p:sp>
+    </p:spTree>
+    <p:extLst>
+      <p:ext uri="{BB962C8B-B14F-4D97-AF65-F5344CB8AC3E}">
+        <p14:creationId xmlns:p14="http://schemas.microsoft.com/office/powerpoint/2010/main" val="3325048330"/>
+      </p:ext>
+    </p:extLst>
+  </p:cSld>
+  <p:clrMapOvr>
+    <a:masterClrMapping/>
+  </p:clrMapOvr>
+</p:notes>
+</file>
+
+<file path=ppt/notesSlides/notesSlide9.xml><?xml version="1.0" encoding="utf-8"?>
+<p:notes xmlns:a="http://schemas.openxmlformats.org/drawingml/2006/main" xmlns:r="http://schemas.openxmlformats.org/officeDocument/2006/relationships" xmlns:p="http://schemas.openxmlformats.org/presentationml/2006/main">
+  <p:cSld>
+    <p:spTree>
+      <p:nvGrpSpPr>
+        <p:cNvPr id="1" name=""/>
+        <p:cNvGrpSpPr/>
+        <p:nvPr/>
+      </p:nvGrpSpPr>
+      <p:grpSpPr>
+        <a:xfrm>
+          <a:off x="0" y="0"/>
+          <a:ext cx="0" cy="0"/>
+          <a:chOff x="0" y="0"/>
+          <a:chExt cx="0" cy="0"/>
+        </a:xfrm>
+      </p:grpSpPr>
+      <p:sp>
+        <p:nvSpPr>
+          <p:cNvPr id="2" name="Slide Image Placeholder 1"/>
+          <p:cNvSpPr>
+            <a:spLocks noGrp="1" noRot="1" noChangeAspect="1"/>
+          </p:cNvSpPr>
+          <p:nvPr>
+            <p:ph type="sldImg"/>
+          </p:nvPr>
+        </p:nvSpPr>
+        <p:spPr/>
+      </p:sp>
+      <p:sp>
+        <p:nvSpPr>
+          <p:cNvPr id="3" name="Notes Placeholder 2"/>
+          <p:cNvSpPr>
+            <a:spLocks noGrp="1"/>
+          </p:cNvSpPr>
+          <p:nvPr>
+            <p:ph type="body" idx="1"/>
+          </p:nvPr>
+        </p:nvSpPr>
+        <p:spPr/>
+        <p:txBody>
+          <a:bodyPr/>
+          <a:lstStyle/>
+          <a:p>
+            <a:pPr marL="0" marR="0" lvl="0" indent="0" algn="l" defTabSz="914400" rtl="0" eaLnBrk="1" fontAlgn="auto" latinLnBrk="0" hangingPunct="1">
+              <a:lnSpc>
+                <a:spcPct val="100000"/>
+              </a:lnSpc>
+              <a:spcBef>
+                <a:spcPts val="0"/>
+              </a:spcBef>
+              <a:spcAft>
+                <a:spcPts val="0"/>
+              </a:spcAft>
+              <a:buClrTx/>
+              <a:buSzTx/>
+              <a:buFontTx/>
+              <a:buNone/>
+              <a:tabLst/>
+              <a:defRPr/>
+            </a:pPr>
+            <a:r>
+              <a:rPr lang="en-US" sz="1200" b="0" kern="1200" dirty="0">
+                <a:solidFill>
+                  <a:schemeClr val="tx1"/>
+                </a:solidFill>
+                <a:effectLst/>
+                <a:latin typeface="+mn-lt"/>
+                <a:ea typeface="+mn-ea"/>
+                <a:cs typeface="+mn-cs"/>
+              </a:rPr>
+              <a:t>Here are two examples of functions both with and without variables</a:t>
+            </a:r>
+          </a:p>
+          <a:p>
+            <a:endParaRPr lang="en-US" dirty="0"/>
+          </a:p>
+        </p:txBody>
+      </p:sp>
+      <p:sp>
+        <p:nvSpPr>
+          <p:cNvPr id="4" name="Slide Number Placeholder 3"/>
+          <p:cNvSpPr>
+            <a:spLocks noGrp="1"/>
+          </p:cNvSpPr>
+          <p:nvPr>
+            <p:ph type="sldNum" sz="quarter" idx="5"/>
+          </p:nvPr>
+        </p:nvSpPr>
+        <p:spPr/>
+        <p:txBody>
+          <a:bodyPr/>
+          <a:lstStyle/>
+          <a:p>
+            <a:fld id="{791E7DFB-44F9-47A0-9F90-F8BE7D449499}" type="slidenum">
+              <a:rPr lang="en-US" smtClean="0"/>
+              <a:t>9</a:t>
+            </a:fld>
+            <a:endParaRPr lang="en-US"/>
+          </a:p>
+        </p:txBody>
+      </p:sp>
+    </p:spTree>
+    <p:extLst>
+      <p:ext uri="{BB962C8B-B14F-4D97-AF65-F5344CB8AC3E}">
+        <p14:creationId xmlns:p14="http://schemas.microsoft.com/office/powerpoint/2010/main" val="3742711994"/>
+      </p:ext>
+    </p:extLst>
+  </p:cSld>
+  <p:clrMapOvr>
+    <a:masterClrMapping/>
+  </p:clrMapOvr>
+</p:notes>
+</file>
+
 <file path=ppt/slideLayouts/slideLayout1.xml><?xml version="1.0" encoding="utf-8"?>
 <p:sldLayout xmlns:a="http://schemas.openxmlformats.org/drawingml/2006/main" xmlns:r="http://schemas.openxmlformats.org/officeDocument/2006/relationships" xmlns:p="http://schemas.openxmlformats.org/presentationml/2006/main" type="title" preserve="1">
   <p:cSld name="Title Slide">
@@ -628,7 +2507,7 @@
           <a:p>
             <a:fld id="{7AE778D6-116B-42D4-B211-69FF968B1FB5}" type="datetime1">
               <a:rPr lang="en-US" smtClean="0"/>
-              <a:t>10/8/2025</a:t>
+              <a:t>10/21/2025</a:t>
             </a:fld>
             <a:endParaRPr lang="en-US"/>
           </a:p>
@@ -826,7 +2705,7 @@
           <a:p>
             <a:fld id="{7E6DD9C0-0887-4597-9FA4-971B42BD2B7B}" type="datetime1">
               <a:rPr lang="en-US" smtClean="0"/>
-              <a:t>10/8/2025</a:t>
+              <a:t>10/21/2025</a:t>
             </a:fld>
             <a:endParaRPr lang="en-US"/>
           </a:p>
@@ -1034,7 +2913,7 @@
           <a:p>
             <a:fld id="{68CBAA00-04F6-4A64-8418-1CAF36238E74}" type="datetime1">
               <a:rPr lang="en-US" smtClean="0"/>
-              <a:t>10/8/2025</a:t>
+              <a:t>10/21/2025</a:t>
             </a:fld>
             <a:endParaRPr lang="en-US"/>
           </a:p>
@@ -1232,7 +3111,7 @@
           <a:p>
             <a:fld id="{A20B7C04-B98A-469A-A63D-29333B974FF0}" type="datetime1">
               <a:rPr lang="en-US" smtClean="0"/>
-              <a:t>10/8/2025</a:t>
+              <a:t>10/21/2025</a:t>
             </a:fld>
             <a:endParaRPr lang="en-US"/>
           </a:p>
@@ -1507,7 +3386,7 @@
           <a:p>
             <a:fld id="{D144AB39-089E-4DC2-9FD7-483334CC6F45}" type="datetime1">
               <a:rPr lang="en-US" smtClean="0"/>
-              <a:t>10/8/2025</a:t>
+              <a:t>10/21/2025</a:t>
             </a:fld>
             <a:endParaRPr lang="en-US"/>
           </a:p>
@@ -1772,7 +3651,7 @@
           <a:p>
             <a:fld id="{10FF1A6B-EBD6-486F-8482-790FCFEAC738}" type="datetime1">
               <a:rPr lang="en-US" smtClean="0"/>
-              <a:t>10/8/2025</a:t>
+              <a:t>10/21/2025</a:t>
             </a:fld>
             <a:endParaRPr lang="en-US"/>
           </a:p>
@@ -2184,7 +4063,7 @@
           <a:p>
             <a:fld id="{FB1891AC-55C6-4C05-A884-9CB1E0A310E6}" type="datetime1">
               <a:rPr lang="en-US" smtClean="0"/>
-              <a:t>10/8/2025</a:t>
+              <a:t>10/21/2025</a:t>
             </a:fld>
             <a:endParaRPr lang="en-US"/>
           </a:p>
@@ -2325,7 +4204,7 @@
           <a:p>
             <a:fld id="{DFDE8B63-F820-4FAD-81A2-E59676E7AC11}" type="datetime1">
               <a:rPr lang="en-US" smtClean="0"/>
-              <a:t>10/8/2025</a:t>
+              <a:t>10/21/2025</a:t>
             </a:fld>
             <a:endParaRPr lang="en-US"/>
           </a:p>
@@ -2438,7 +4317,7 @@
           <a:p>
             <a:fld id="{B16CBD63-D720-4FA5-9B2A-11A274B73B13}" type="datetime1">
               <a:rPr lang="en-US" smtClean="0"/>
-              <a:t>10/8/2025</a:t>
+              <a:t>10/21/2025</a:t>
             </a:fld>
             <a:endParaRPr lang="en-US"/>
           </a:p>
@@ -2749,7 +4628,7 @@
           <a:p>
             <a:fld id="{AE6DC516-42BC-4DA2-A67D-57F25C343610}" type="datetime1">
               <a:rPr lang="en-US" smtClean="0"/>
-              <a:t>10/8/2025</a:t>
+              <a:t>10/21/2025</a:t>
             </a:fld>
             <a:endParaRPr lang="en-US"/>
           </a:p>
@@ -3037,7 +4916,7 @@
           <a:p>
             <a:fld id="{057FCABE-86A5-44BB-A17E-3066E7620E0A}" type="datetime1">
               <a:rPr lang="en-US" smtClean="0"/>
-              <a:t>10/8/2025</a:t>
+              <a:t>10/21/2025</a:t>
             </a:fld>
             <a:endParaRPr lang="en-US"/>
           </a:p>
@@ -3278,7 +5157,7 @@
           <a:p>
             <a:fld id="{853198DE-BE31-40FF-B292-54C23C33BE6A}" type="datetime1">
               <a:rPr lang="en-US" smtClean="0"/>
-              <a:t>10/8/2025</a:t>
+              <a:t>10/21/2025</a:t>
             </a:fld>
             <a:endParaRPr lang="en-US"/>
           </a:p>
@@ -3711,7 +5590,7 @@
           <p:nvPr/>
         </p:nvPicPr>
         <p:blipFill>
-          <a:blip r:embed="rId2">
+          <a:blip r:embed="rId3">
             <a:extLst>
               <a:ext uri="{28A0092B-C50C-407E-A947-70E740481C1C}">
                 <a14:useLocalDpi xmlns:a14="http://schemas.microsoft.com/office/drawing/2010/main" val="0"/>
@@ -3810,7 +5689,7 @@
           <p:nvPr/>
         </p:nvPicPr>
         <p:blipFill>
-          <a:blip r:embed="rId3">
+          <a:blip r:embed="rId4">
             <a:extLst>
               <a:ext uri="{28A0092B-C50C-407E-A947-70E740481C1C}">
                 <a14:useLocalDpi xmlns:a14="http://schemas.microsoft.com/office/drawing/2010/main" val="0"/>
@@ -3959,7 +5838,7 @@
           <p:nvPr/>
         </p:nvPicPr>
         <p:blipFill>
-          <a:blip r:embed="rId4">
+          <a:blip r:embed="rId5">
             <a:extLst>
               <a:ext uri="{28A0092B-C50C-407E-A947-70E740481C1C}">
                 <a14:useLocalDpi xmlns:a14="http://schemas.microsoft.com/office/drawing/2010/main" val="0"/>
@@ -4079,7 +5958,7 @@
           <p:nvPr/>
         </p:nvPicPr>
         <p:blipFill>
-          <a:blip r:embed="rId2">
+          <a:blip r:embed="rId3">
             <a:extLst>
               <a:ext uri="{28A0092B-C50C-407E-A947-70E740481C1C}">
                 <a14:useLocalDpi xmlns:a14="http://schemas.microsoft.com/office/drawing/2010/main" val="0"/>
@@ -4210,7 +6089,7 @@
           <p:nvPr/>
         </p:nvPicPr>
         <p:blipFill>
-          <a:blip r:embed="rId3">
+          <a:blip r:embed="rId4">
             <a:extLst>
               <a:ext uri="{28A0092B-C50C-407E-A947-70E740481C1C}">
                 <a14:useLocalDpi xmlns:a14="http://schemas.microsoft.com/office/drawing/2010/main" val="0"/>
@@ -5313,7 +7192,7 @@
           <p:nvPr/>
         </p:nvPicPr>
         <p:blipFill>
-          <a:blip r:embed="rId2">
+          <a:blip r:embed="rId3">
             <a:extLst>
               <a:ext uri="{28A0092B-C50C-407E-A947-70E740481C1C}">
                 <a14:useLocalDpi xmlns:a14="http://schemas.microsoft.com/office/drawing/2010/main" val="0"/>
@@ -5489,7 +7368,7 @@
           <p:nvPr/>
         </p:nvPicPr>
         <p:blipFill>
-          <a:blip r:embed="rId2">
+          <a:blip r:embed="rId3">
             <a:extLst>
               <a:ext uri="{28A0092B-C50C-407E-A947-70E740481C1C}">
                 <a14:useLocalDpi xmlns:a14="http://schemas.microsoft.com/office/drawing/2010/main" val="0"/>
@@ -5623,7 +7502,7 @@
           <p:nvPr/>
         </p:nvPicPr>
         <p:blipFill>
-          <a:blip r:embed="rId3">
+          <a:blip r:embed="rId4">
             <a:extLst>
               <a:ext uri="{28A0092B-C50C-407E-A947-70E740481C1C}">
                 <a14:useLocalDpi xmlns:a14="http://schemas.microsoft.com/office/drawing/2010/main" val="0"/>
@@ -5670,7 +7549,7 @@
           <p:nvPr/>
         </p:nvPicPr>
         <p:blipFill>
-          <a:blip r:embed="rId3">
+          <a:blip r:embed="rId4">
             <a:extLst>
               <a:ext uri="{28A0092B-C50C-407E-A947-70E740481C1C}">
                 <a14:useLocalDpi xmlns:a14="http://schemas.microsoft.com/office/drawing/2010/main" val="0"/>
@@ -5747,7 +7626,7 @@
           <p:nvPr/>
         </p:nvPicPr>
         <p:blipFill>
-          <a:blip r:embed="rId2">
+          <a:blip r:embed="rId3">
             <a:extLst>
               <a:ext uri="{28A0092B-C50C-407E-A947-70E740481C1C}">
                 <a14:useLocalDpi xmlns:a14="http://schemas.microsoft.com/office/drawing/2010/main" val="0"/>
@@ -6072,7 +7951,7 @@
           <p:nvPr/>
         </p:nvPicPr>
         <p:blipFill>
-          <a:blip r:embed="rId3">
+          <a:blip r:embed="rId4">
             <a:extLst>
               <a:ext uri="{28A0092B-C50C-407E-A947-70E740481C1C}">
                 <a14:useLocalDpi xmlns:a14="http://schemas.microsoft.com/office/drawing/2010/main" val="0"/>
@@ -6147,7 +8026,7 @@
           <p:nvPr/>
         </p:nvPicPr>
         <p:blipFill>
-          <a:blip r:embed="rId4">
+          <a:blip r:embed="rId5">
             <a:extLst>
               <a:ext uri="{28A0092B-C50C-407E-A947-70E740481C1C}">
                 <a14:useLocalDpi xmlns:a14="http://schemas.microsoft.com/office/drawing/2010/main" val="0"/>
@@ -6390,7 +8269,7 @@
           <p:nvPr/>
         </p:nvPicPr>
         <p:blipFill>
-          <a:blip r:embed="rId2">
+          <a:blip r:embed="rId3">
             <a:extLst>
               <a:ext uri="{28A0092B-C50C-407E-A947-70E740481C1C}">
                 <a14:useLocalDpi xmlns:a14="http://schemas.microsoft.com/office/drawing/2010/main" val="0"/>
@@ -6667,7 +8546,7 @@
           <p:nvPr/>
         </p:nvPicPr>
         <p:blipFill>
-          <a:blip r:embed="rId3">
+          <a:blip r:embed="rId4">
             <a:extLst>
               <a:ext uri="{28A0092B-C50C-407E-A947-70E740481C1C}">
                 <a14:useLocalDpi xmlns:a14="http://schemas.microsoft.com/office/drawing/2010/main" val="0"/>
@@ -6773,7 +8652,7 @@
           <p:nvPr>
             <p:extLst>
               <p:ext uri="{D42A27DB-BD31-4B8C-83A1-F6EECF244321}">
-                <p14:modId xmlns:p14="http://schemas.microsoft.com/office/powerpoint/2010/main" val="3857399313"/>
+                <p14:modId xmlns:p14="http://schemas.microsoft.com/office/powerpoint/2010/main" val="181191717"/>
               </p:ext>
             </p:extLst>
           </p:nvPr>
@@ -6789,28 +8668,28 @@
                 <a:tableStyleId>{21E4AEA4-8DFA-4A89-87EB-49C32662AFE0}</a:tableStyleId>
               </a:tblPr>
               <a:tblGrid>
-                <a:gridCol w="3048000">
+                <a:gridCol w="3065112">
                   <a:extLst>
                     <a:ext uri="{9D8B030D-6E8A-4147-A177-3AD203B41FA5}">
                       <a16:colId xmlns:a16="http://schemas.microsoft.com/office/drawing/2014/main" val="3670237263"/>
                     </a:ext>
                   </a:extLst>
                 </a:gridCol>
-                <a:gridCol w="3048000">
+                <a:gridCol w="3042296">
                   <a:extLst>
                     <a:ext uri="{9D8B030D-6E8A-4147-A177-3AD203B41FA5}">
                       <a16:colId xmlns:a16="http://schemas.microsoft.com/office/drawing/2014/main" val="3362221074"/>
                     </a:ext>
                   </a:extLst>
                 </a:gridCol>
-                <a:gridCol w="3048000">
+                <a:gridCol w="3042296">
                   <a:extLst>
                     <a:ext uri="{9D8B030D-6E8A-4147-A177-3AD203B41FA5}">
                       <a16:colId xmlns:a16="http://schemas.microsoft.com/office/drawing/2014/main" val="187919019"/>
                     </a:ext>
                   </a:extLst>
                 </a:gridCol>
-                <a:gridCol w="3048000">
+                <a:gridCol w="3042296">
                   <a:extLst>
                     <a:ext uri="{9D8B030D-6E8A-4147-A177-3AD203B41FA5}">
                       <a16:colId xmlns:a16="http://schemas.microsoft.com/office/drawing/2014/main" val="4172522761"/>
@@ -7286,7 +9165,7 @@
           <p:nvPr/>
         </p:nvPicPr>
         <p:blipFill>
-          <a:blip r:embed="rId2">
+          <a:blip r:embed="rId3">
             <a:extLst>
               <a:ext uri="{28A0092B-C50C-407E-A947-70E740481C1C}">
                 <a14:useLocalDpi xmlns:a14="http://schemas.microsoft.com/office/drawing/2010/main" val="0"/>
@@ -7362,7 +9241,7 @@
           <p:nvPr/>
         </p:nvPicPr>
         <p:blipFill>
-          <a:blip r:embed="rId3">
+          <a:blip r:embed="rId4">
             <a:extLst>
               <a:ext uri="{28A0092B-C50C-407E-A947-70E740481C1C}">
                 <a14:useLocalDpi xmlns:a14="http://schemas.microsoft.com/office/drawing/2010/main" val="0"/>
@@ -7464,7 +9343,7 @@
           <p:nvPr/>
         </p:nvPicPr>
         <p:blipFill>
-          <a:blip r:embed="rId4">
+          <a:blip r:embed="rId5">
             <a:extLst>
               <a:ext uri="{28A0092B-C50C-407E-A947-70E740481C1C}">
                 <a14:useLocalDpi xmlns:a14="http://schemas.microsoft.com/office/drawing/2010/main" val="0"/>
@@ -7546,7 +9425,7 @@
           <p:nvPr/>
         </p:nvPicPr>
         <p:blipFill>
-          <a:blip r:embed="rId2">
+          <a:blip r:embed="rId3">
             <a:extLst>
               <a:ext uri="{28A0092B-C50C-407E-A947-70E740481C1C}">
                 <a14:useLocalDpi xmlns:a14="http://schemas.microsoft.com/office/drawing/2010/main" val="0"/>
@@ -7677,7 +9556,7 @@
           <p:nvPr/>
         </p:nvPicPr>
         <p:blipFill>
-          <a:blip r:embed="rId3">
+          <a:blip r:embed="rId4">
             <a:extLst>
               <a:ext uri="{28A0092B-C50C-407E-A947-70E740481C1C}">
                 <a14:useLocalDpi xmlns:a14="http://schemas.microsoft.com/office/drawing/2010/main" val="0"/>
@@ -7729,7 +9608,7 @@
           <p:nvPr/>
         </p:nvPicPr>
         <p:blipFill>
-          <a:blip r:embed="rId4">
+          <a:blip r:embed="rId5">
             <a:extLst>
               <a:ext uri="{28A0092B-C50C-407E-A947-70E740481C1C}">
                 <a14:useLocalDpi xmlns:a14="http://schemas.microsoft.com/office/drawing/2010/main" val="0"/>
@@ -7857,7 +9736,7 @@
           <p:nvPr/>
         </p:nvPicPr>
         <p:blipFill>
-          <a:blip r:embed="rId2">
+          <a:blip r:embed="rId3">
             <a:extLst>
               <a:ext uri="{28A0092B-C50C-407E-A947-70E740481C1C}">
                 <a14:useLocalDpi xmlns:a14="http://schemas.microsoft.com/office/drawing/2010/main" val="0"/>
@@ -7988,7 +9867,7 @@
           <p:nvPr/>
         </p:nvPicPr>
         <p:blipFill>
-          <a:blip r:embed="rId3">
+          <a:blip r:embed="rId4">
             <a:extLst>
               <a:ext uri="{28A0092B-C50C-407E-A947-70E740481C1C}">
                 <a14:useLocalDpi xmlns:a14="http://schemas.microsoft.com/office/drawing/2010/main" val="0"/>
@@ -8040,7 +9919,7 @@
           <p:nvPr/>
         </p:nvPicPr>
         <p:blipFill>
-          <a:blip r:embed="rId4">
+          <a:blip r:embed="rId5">
             <a:extLst>
               <a:ext uri="{28A0092B-C50C-407E-A947-70E740481C1C}">
                 <a14:useLocalDpi xmlns:a14="http://schemas.microsoft.com/office/drawing/2010/main" val="0"/>
@@ -8128,7 +10007,7 @@
           <p:nvPr/>
         </p:nvPicPr>
         <p:blipFill>
-          <a:blip r:embed="rId2">
+          <a:blip r:embed="rId3">
             <a:extLst>
               <a:ext uri="{28A0092B-C50C-407E-A947-70E740481C1C}">
                 <a14:useLocalDpi xmlns:a14="http://schemas.microsoft.com/office/drawing/2010/main" val="0"/>
@@ -8259,7 +10138,7 @@
           <p:nvPr/>
         </p:nvPicPr>
         <p:blipFill>
-          <a:blip r:embed="rId3">
+          <a:blip r:embed="rId4">
             <a:extLst>
               <a:ext uri="{28A0092B-C50C-407E-A947-70E740481C1C}">
                 <a14:useLocalDpi xmlns:a14="http://schemas.microsoft.com/office/drawing/2010/main" val="0"/>
@@ -8311,7 +10190,7 @@
           <p:nvPr/>
         </p:nvPicPr>
         <p:blipFill>
-          <a:blip r:embed="rId4">
+          <a:blip r:embed="rId5">
             <a:extLst>
               <a:ext uri="{28A0092B-C50C-407E-A947-70E740481C1C}">
                 <a14:useLocalDpi xmlns:a14="http://schemas.microsoft.com/office/drawing/2010/main" val="0"/>
@@ -8363,7 +10242,7 @@
           <p:nvPr/>
         </p:nvPicPr>
         <p:blipFill>
-          <a:blip r:embed="rId5">
+          <a:blip r:embed="rId6">
             <a:extLst>
               <a:ext uri="{28A0092B-C50C-407E-A947-70E740481C1C}">
                 <a14:useLocalDpi xmlns:a14="http://schemas.microsoft.com/office/drawing/2010/main" val="0"/>
@@ -8451,7 +10330,7 @@
           <p:nvPr/>
         </p:nvPicPr>
         <p:blipFill>
-          <a:blip r:embed="rId2">
+          <a:blip r:embed="rId3">
             <a:extLst>
               <a:ext uri="{28A0092B-C50C-407E-A947-70E740481C1C}">
                 <a14:useLocalDpi xmlns:a14="http://schemas.microsoft.com/office/drawing/2010/main" val="0"/>
@@ -8582,7 +10461,7 @@
           <p:nvPr/>
         </p:nvPicPr>
         <p:blipFill>
-          <a:blip r:embed="rId3">
+          <a:blip r:embed="rId4">
             <a:extLst>
               <a:ext uri="{28A0092B-C50C-407E-A947-70E740481C1C}">
                 <a14:useLocalDpi xmlns:a14="http://schemas.microsoft.com/office/drawing/2010/main" val="0"/>
@@ -8634,7 +10513,7 @@
           <p:nvPr/>
         </p:nvPicPr>
         <p:blipFill>
-          <a:blip r:embed="rId4">
+          <a:blip r:embed="rId5">
             <a:extLst>
               <a:ext uri="{28A0092B-C50C-407E-A947-70E740481C1C}">
                 <a14:useLocalDpi xmlns:a14="http://schemas.microsoft.com/office/drawing/2010/main" val="0"/>

--- a/Rust workshop presentation.pptx
+++ b/Rust workshop presentation.pptx
@@ -214,7 +214,7 @@
           <a:p>
             <a:fld id="{59746C06-FCD2-4F71-B216-407952C80BC0}" type="datetimeFigureOut">
               <a:rPr lang="en-US" smtClean="0"/>
-              <a:t>10/21/2025</a:t>
+              <a:t>10/22/2025</a:t>
             </a:fld>
             <a:endParaRPr lang="en-US"/>
           </a:p>
@@ -2507,7 +2507,7 @@
           <a:p>
             <a:fld id="{7AE778D6-116B-42D4-B211-69FF968B1FB5}" type="datetime1">
               <a:rPr lang="en-US" smtClean="0"/>
-              <a:t>10/21/2025</a:t>
+              <a:t>10/22/2025</a:t>
             </a:fld>
             <a:endParaRPr lang="en-US"/>
           </a:p>
@@ -2705,7 +2705,7 @@
           <a:p>
             <a:fld id="{7E6DD9C0-0887-4597-9FA4-971B42BD2B7B}" type="datetime1">
               <a:rPr lang="en-US" smtClean="0"/>
-              <a:t>10/21/2025</a:t>
+              <a:t>10/22/2025</a:t>
             </a:fld>
             <a:endParaRPr lang="en-US"/>
           </a:p>
@@ -2913,7 +2913,7 @@
           <a:p>
             <a:fld id="{68CBAA00-04F6-4A64-8418-1CAF36238E74}" type="datetime1">
               <a:rPr lang="en-US" smtClean="0"/>
-              <a:t>10/21/2025</a:t>
+              <a:t>10/22/2025</a:t>
             </a:fld>
             <a:endParaRPr lang="en-US"/>
           </a:p>
@@ -3111,7 +3111,7 @@
           <a:p>
             <a:fld id="{A20B7C04-B98A-469A-A63D-29333B974FF0}" type="datetime1">
               <a:rPr lang="en-US" smtClean="0"/>
-              <a:t>10/21/2025</a:t>
+              <a:t>10/22/2025</a:t>
             </a:fld>
             <a:endParaRPr lang="en-US"/>
           </a:p>
@@ -3386,7 +3386,7 @@
           <a:p>
             <a:fld id="{D144AB39-089E-4DC2-9FD7-483334CC6F45}" type="datetime1">
               <a:rPr lang="en-US" smtClean="0"/>
-              <a:t>10/21/2025</a:t>
+              <a:t>10/22/2025</a:t>
             </a:fld>
             <a:endParaRPr lang="en-US"/>
           </a:p>
@@ -3651,7 +3651,7 @@
           <a:p>
             <a:fld id="{10FF1A6B-EBD6-486F-8482-790FCFEAC738}" type="datetime1">
               <a:rPr lang="en-US" smtClean="0"/>
-              <a:t>10/21/2025</a:t>
+              <a:t>10/22/2025</a:t>
             </a:fld>
             <a:endParaRPr lang="en-US"/>
           </a:p>
@@ -4063,7 +4063,7 @@
           <a:p>
             <a:fld id="{FB1891AC-55C6-4C05-A884-9CB1E0A310E6}" type="datetime1">
               <a:rPr lang="en-US" smtClean="0"/>
-              <a:t>10/21/2025</a:t>
+              <a:t>10/22/2025</a:t>
             </a:fld>
             <a:endParaRPr lang="en-US"/>
           </a:p>
@@ -4204,7 +4204,7 @@
           <a:p>
             <a:fld id="{DFDE8B63-F820-4FAD-81A2-E59676E7AC11}" type="datetime1">
               <a:rPr lang="en-US" smtClean="0"/>
-              <a:t>10/21/2025</a:t>
+              <a:t>10/22/2025</a:t>
             </a:fld>
             <a:endParaRPr lang="en-US"/>
           </a:p>
@@ -4317,7 +4317,7 @@
           <a:p>
             <a:fld id="{B16CBD63-D720-4FA5-9B2A-11A274B73B13}" type="datetime1">
               <a:rPr lang="en-US" smtClean="0"/>
-              <a:t>10/21/2025</a:t>
+              <a:t>10/22/2025</a:t>
             </a:fld>
             <a:endParaRPr lang="en-US"/>
           </a:p>
@@ -4628,7 +4628,7 @@
           <a:p>
             <a:fld id="{AE6DC516-42BC-4DA2-A67D-57F25C343610}" type="datetime1">
               <a:rPr lang="en-US" smtClean="0"/>
-              <a:t>10/21/2025</a:t>
+              <a:t>10/22/2025</a:t>
             </a:fld>
             <a:endParaRPr lang="en-US"/>
           </a:p>
@@ -4916,7 +4916,7 @@
           <a:p>
             <a:fld id="{057FCABE-86A5-44BB-A17E-3066E7620E0A}" type="datetime1">
               <a:rPr lang="en-US" smtClean="0"/>
-              <a:t>10/21/2025</a:t>
+              <a:t>10/22/2025</a:t>
             </a:fld>
             <a:endParaRPr lang="en-US"/>
           </a:p>
@@ -5157,7 +5157,7 @@
           <a:p>
             <a:fld id="{853198DE-BE31-40FF-B292-54C23C33BE6A}" type="datetime1">
               <a:rPr lang="en-US" smtClean="0"/>
-              <a:t>10/21/2025</a:t>
+              <a:t>10/22/2025</a:t>
             </a:fld>
             <a:endParaRPr lang="en-US"/>
           </a:p>
@@ -6293,6 +6293,98 @@
           </a:p>
         </p:txBody>
       </p:sp>
+      <p:pic>
+        <p:nvPicPr>
+          <p:cNvPr id="5" name="Picture 4">
+            <a:extLst>
+              <a:ext uri="{FF2B5EF4-FFF2-40B4-BE49-F238E27FC236}">
+                <a16:creationId xmlns:a16="http://schemas.microsoft.com/office/drawing/2014/main" id="{041FD411-C9FA-0F48-C8C8-EB2E5DEFECB7}"/>
+              </a:ext>
+            </a:extLst>
+          </p:cNvPr>
+          <p:cNvPicPr>
+            <a:picLocks noChangeAspect="1"/>
+          </p:cNvPicPr>
+          <p:nvPr/>
+        </p:nvPicPr>
+        <p:blipFill>
+          <a:blip r:embed="rId3"/>
+          <a:stretch>
+            <a:fillRect/>
+          </a:stretch>
+        </p:blipFill>
+        <p:spPr>
+          <a:xfrm>
+            <a:off x="4935980" y="1415914"/>
+            <a:ext cx="7149340" cy="2647266"/>
+          </a:xfrm>
+          <a:prstGeom prst="round2DiagRect">
+            <a:avLst>
+              <a:gd name="adj1" fmla="val 16667"/>
+              <a:gd name="adj2" fmla="val 0"/>
+            </a:avLst>
+          </a:prstGeom>
+          <a:ln w="88900" cap="sq">
+            <a:solidFill>
+              <a:srgbClr val="FF6600"/>
+            </a:solidFill>
+            <a:miter lim="800000"/>
+          </a:ln>
+          <a:effectLst>
+            <a:outerShdw blurRad="254000" algn="tl" rotWithShape="0">
+              <a:srgbClr val="000000">
+                <a:alpha val="43000"/>
+              </a:srgbClr>
+            </a:outerShdw>
+          </a:effectLst>
+        </p:spPr>
+      </p:pic>
+      <p:pic>
+        <p:nvPicPr>
+          <p:cNvPr id="6" name="Picture 5">
+            <a:extLst>
+              <a:ext uri="{FF2B5EF4-FFF2-40B4-BE49-F238E27FC236}">
+                <a16:creationId xmlns:a16="http://schemas.microsoft.com/office/drawing/2014/main" id="{2BFF2129-2D56-A54A-5EDD-E17C71E92E58}"/>
+              </a:ext>
+            </a:extLst>
+          </p:cNvPr>
+          <p:cNvPicPr>
+            <a:picLocks noChangeAspect="1"/>
+          </p:cNvPicPr>
+          <p:nvPr/>
+        </p:nvPicPr>
+        <p:blipFill>
+          <a:blip r:embed="rId4"/>
+          <a:stretch>
+            <a:fillRect/>
+          </a:stretch>
+        </p:blipFill>
+        <p:spPr>
+          <a:xfrm>
+            <a:off x="445860" y="3642338"/>
+            <a:ext cx="4091456" cy="3079137"/>
+          </a:xfrm>
+          <a:prstGeom prst="round2DiagRect">
+            <a:avLst>
+              <a:gd name="adj1" fmla="val 16667"/>
+              <a:gd name="adj2" fmla="val 0"/>
+            </a:avLst>
+          </a:prstGeom>
+          <a:ln w="88900" cap="sq">
+            <a:solidFill>
+              <a:srgbClr val="FF6600"/>
+            </a:solidFill>
+            <a:miter lim="800000"/>
+          </a:ln>
+          <a:effectLst>
+            <a:outerShdw blurRad="254000" algn="tl" rotWithShape="0">
+              <a:srgbClr val="000000">
+                <a:alpha val="43000"/>
+              </a:srgbClr>
+            </a:outerShdw>
+          </a:effectLst>
+        </p:spPr>
+      </p:pic>
     </p:spTree>
     <p:extLst>
       <p:ext uri="{BB962C8B-B14F-4D97-AF65-F5344CB8AC3E}">
@@ -6460,6 +6552,52 @@
           </a:p>
         </p:txBody>
       </p:sp>
+      <p:pic>
+        <p:nvPicPr>
+          <p:cNvPr id="5" name="Picture 4">
+            <a:extLst>
+              <a:ext uri="{FF2B5EF4-FFF2-40B4-BE49-F238E27FC236}">
+                <a16:creationId xmlns:a16="http://schemas.microsoft.com/office/drawing/2014/main" id="{7CE16EAB-F0F2-B20C-B649-79DBAC7C8A66}"/>
+              </a:ext>
+            </a:extLst>
+          </p:cNvPr>
+          <p:cNvPicPr>
+            <a:picLocks noChangeAspect="1"/>
+          </p:cNvPicPr>
+          <p:nvPr/>
+        </p:nvPicPr>
+        <p:blipFill>
+          <a:blip r:embed="rId3"/>
+          <a:stretch>
+            <a:fillRect/>
+          </a:stretch>
+        </p:blipFill>
+        <p:spPr>
+          <a:xfrm>
+            <a:off x="5557519" y="3449844"/>
+            <a:ext cx="6450231" cy="3089068"/>
+          </a:xfrm>
+          <a:prstGeom prst="round2DiagRect">
+            <a:avLst>
+              <a:gd name="adj1" fmla="val 16667"/>
+              <a:gd name="adj2" fmla="val 0"/>
+            </a:avLst>
+          </a:prstGeom>
+          <a:ln w="88900" cap="sq">
+            <a:solidFill>
+              <a:srgbClr val="FF6600"/>
+            </a:solidFill>
+            <a:miter lim="800000"/>
+          </a:ln>
+          <a:effectLst>
+            <a:outerShdw blurRad="254000" algn="tl" rotWithShape="0">
+              <a:srgbClr val="000000">
+                <a:alpha val="43000"/>
+              </a:srgbClr>
+            </a:outerShdw>
+          </a:effectLst>
+        </p:spPr>
+      </p:pic>
     </p:spTree>
     <p:extLst>
       <p:ext uri="{BB962C8B-B14F-4D97-AF65-F5344CB8AC3E}">
@@ -6627,6 +6765,52 @@
           </a:p>
         </p:txBody>
       </p:sp>
+      <p:pic>
+        <p:nvPicPr>
+          <p:cNvPr id="5" name="Picture 4">
+            <a:extLst>
+              <a:ext uri="{FF2B5EF4-FFF2-40B4-BE49-F238E27FC236}">
+                <a16:creationId xmlns:a16="http://schemas.microsoft.com/office/drawing/2014/main" id="{5E5BBFD3-48DC-E8B6-DD6F-2C9343948D3D}"/>
+              </a:ext>
+            </a:extLst>
+          </p:cNvPr>
+          <p:cNvPicPr>
+            <a:picLocks noChangeAspect="1"/>
+          </p:cNvPicPr>
+          <p:nvPr/>
+        </p:nvPicPr>
+        <p:blipFill>
+          <a:blip r:embed="rId3"/>
+          <a:stretch>
+            <a:fillRect/>
+          </a:stretch>
+        </p:blipFill>
+        <p:spPr>
+          <a:xfrm>
+            <a:off x="4968240" y="3785728"/>
+            <a:ext cx="7000240" cy="2935747"/>
+          </a:xfrm>
+          <a:prstGeom prst="round2DiagRect">
+            <a:avLst>
+              <a:gd name="adj1" fmla="val 16667"/>
+              <a:gd name="adj2" fmla="val 0"/>
+            </a:avLst>
+          </a:prstGeom>
+          <a:ln w="88900" cap="sq">
+            <a:solidFill>
+              <a:srgbClr val="FF6600"/>
+            </a:solidFill>
+            <a:miter lim="800000"/>
+          </a:ln>
+          <a:effectLst>
+            <a:outerShdw blurRad="254000" algn="tl" rotWithShape="0">
+              <a:srgbClr val="000000">
+                <a:alpha val="43000"/>
+              </a:srgbClr>
+            </a:outerShdw>
+          </a:effectLst>
+        </p:spPr>
+      </p:pic>
     </p:spTree>
     <p:extLst>
       <p:ext uri="{BB962C8B-B14F-4D97-AF65-F5344CB8AC3E}">
@@ -6799,6 +6983,52 @@
           </a:p>
         </p:txBody>
       </p:sp>
+      <p:pic>
+        <p:nvPicPr>
+          <p:cNvPr id="5" name="Picture 4">
+            <a:extLst>
+              <a:ext uri="{FF2B5EF4-FFF2-40B4-BE49-F238E27FC236}">
+                <a16:creationId xmlns:a16="http://schemas.microsoft.com/office/drawing/2014/main" id="{401CBD60-935E-2ED3-6A6B-EF084B667787}"/>
+              </a:ext>
+            </a:extLst>
+          </p:cNvPr>
+          <p:cNvPicPr>
+            <a:picLocks noChangeAspect="1"/>
+          </p:cNvPicPr>
+          <p:nvPr/>
+        </p:nvPicPr>
+        <p:blipFill>
+          <a:blip r:embed="rId3"/>
+          <a:stretch>
+            <a:fillRect/>
+          </a:stretch>
+        </p:blipFill>
+        <p:spPr>
+          <a:xfrm>
+            <a:off x="2658003" y="1359575"/>
+            <a:ext cx="7324197" cy="5361613"/>
+          </a:xfrm>
+          <a:prstGeom prst="round2DiagRect">
+            <a:avLst>
+              <a:gd name="adj1" fmla="val 16667"/>
+              <a:gd name="adj2" fmla="val 0"/>
+            </a:avLst>
+          </a:prstGeom>
+          <a:ln w="88900" cap="sq">
+            <a:solidFill>
+              <a:srgbClr val="FF6600"/>
+            </a:solidFill>
+            <a:miter lim="800000"/>
+          </a:ln>
+          <a:effectLst>
+            <a:outerShdw blurRad="254000" algn="tl" rotWithShape="0">
+              <a:srgbClr val="000000">
+                <a:alpha val="43000"/>
+              </a:srgbClr>
+            </a:outerShdw>
+          </a:effectLst>
+        </p:spPr>
+      </p:pic>
     </p:spTree>
     <p:extLst>
       <p:ext uri="{BB962C8B-B14F-4D97-AF65-F5344CB8AC3E}">
@@ -6970,6 +7200,52 @@
           </a:p>
         </p:txBody>
       </p:sp>
+      <p:pic>
+        <p:nvPicPr>
+          <p:cNvPr id="5" name="Picture 4">
+            <a:extLst>
+              <a:ext uri="{FF2B5EF4-FFF2-40B4-BE49-F238E27FC236}">
+                <a16:creationId xmlns:a16="http://schemas.microsoft.com/office/drawing/2014/main" id="{3BF5D5CE-1DA0-4CD5-0835-CF051E805BEC}"/>
+              </a:ext>
+            </a:extLst>
+          </p:cNvPr>
+          <p:cNvPicPr>
+            <a:picLocks noChangeAspect="1"/>
+          </p:cNvPicPr>
+          <p:nvPr/>
+        </p:nvPicPr>
+        <p:blipFill>
+          <a:blip r:embed="rId3"/>
+          <a:stretch>
+            <a:fillRect/>
+          </a:stretch>
+        </p:blipFill>
+        <p:spPr>
+          <a:xfrm>
+            <a:off x="4780856" y="3124577"/>
+            <a:ext cx="7055544" cy="3095248"/>
+          </a:xfrm>
+          <a:prstGeom prst="round2DiagRect">
+            <a:avLst>
+              <a:gd name="adj1" fmla="val 16667"/>
+              <a:gd name="adj2" fmla="val 0"/>
+            </a:avLst>
+          </a:prstGeom>
+          <a:ln w="88900" cap="sq">
+            <a:solidFill>
+              <a:srgbClr val="FF6600"/>
+            </a:solidFill>
+            <a:miter lim="800000"/>
+          </a:ln>
+          <a:effectLst>
+            <a:outerShdw blurRad="254000" algn="tl" rotWithShape="0">
+              <a:srgbClr val="000000">
+                <a:alpha val="43000"/>
+              </a:srgbClr>
+            </a:outerShdw>
+          </a:effectLst>
+        </p:spPr>
+      </p:pic>
     </p:spTree>
     <p:extLst>
       <p:ext uri="{BB962C8B-B14F-4D97-AF65-F5344CB8AC3E}">
@@ -7141,6 +7417,52 @@
           </a:p>
         </p:txBody>
       </p:sp>
+      <p:pic>
+        <p:nvPicPr>
+          <p:cNvPr id="5" name="Picture 4">
+            <a:extLst>
+              <a:ext uri="{FF2B5EF4-FFF2-40B4-BE49-F238E27FC236}">
+                <a16:creationId xmlns:a16="http://schemas.microsoft.com/office/drawing/2014/main" id="{2516F206-27B9-A2A1-4ABE-A50525287B2D}"/>
+              </a:ext>
+            </a:extLst>
+          </p:cNvPr>
+          <p:cNvPicPr>
+            <a:picLocks noChangeAspect="1"/>
+          </p:cNvPicPr>
+          <p:nvPr/>
+        </p:nvPicPr>
+        <p:blipFill>
+          <a:blip r:embed="rId3"/>
+          <a:stretch>
+            <a:fillRect/>
+          </a:stretch>
+        </p:blipFill>
+        <p:spPr>
+          <a:xfrm>
+            <a:off x="4110085" y="1947132"/>
+            <a:ext cx="7243715" cy="4409218"/>
+          </a:xfrm>
+          <a:prstGeom prst="round2DiagRect">
+            <a:avLst>
+              <a:gd name="adj1" fmla="val 16667"/>
+              <a:gd name="adj2" fmla="val 0"/>
+            </a:avLst>
+          </a:prstGeom>
+          <a:ln w="88900" cap="sq">
+            <a:solidFill>
+              <a:srgbClr val="FF6600"/>
+            </a:solidFill>
+            <a:miter lim="800000"/>
+          </a:ln>
+          <a:effectLst>
+            <a:outerShdw blurRad="254000" algn="tl" rotWithShape="0">
+              <a:srgbClr val="000000">
+                <a:alpha val="43000"/>
+              </a:srgbClr>
+            </a:outerShdw>
+          </a:effectLst>
+        </p:spPr>
+      </p:pic>
     </p:spTree>
     <p:extLst>
       <p:ext uri="{BB962C8B-B14F-4D97-AF65-F5344CB8AC3E}">

--- a/Rust workshop presentation.pptx
+++ b/Rust workshop presentation.pptx
@@ -6102,7 +6102,7 @@
         </p:blipFill>
         <p:spPr>
           <a:xfrm>
-            <a:off x="6024474" y="883193"/>
+            <a:off x="5818734" y="617697"/>
             <a:ext cx="5401024" cy="5622605"/>
           </a:xfrm>
           <a:prstGeom prst="round2DiagRect">
@@ -6124,6 +6124,82 @@
               </a:srgbClr>
             </a:outerShdw>
           </a:effectLst>
+        </p:spPr>
+      </p:pic>
+      <p:pic>
+        <p:nvPicPr>
+          <p:cNvPr id="1028" name="Picture 4" descr="Steel Structure: Types, Performance, Construction Process">
+            <a:extLst>
+              <a:ext uri="{FF2B5EF4-FFF2-40B4-BE49-F238E27FC236}">
+                <a16:creationId xmlns:a16="http://schemas.microsoft.com/office/drawing/2014/main" id="{21A50074-BC6C-0996-C146-D0196DDBDD03}"/>
+              </a:ext>
+            </a:extLst>
+          </p:cNvPr>
+          <p:cNvPicPr>
+            <a:picLocks noChangeAspect="1" noChangeArrowheads="1"/>
+          </p:cNvPicPr>
+          <p:nvPr/>
+        </p:nvPicPr>
+        <p:blipFill>
+          <a:blip r:embed="rId5">
+            <a:extLst>
+              <a:ext uri="{28A0092B-C50C-407E-A947-70E740481C1C}">
+                <a14:useLocalDpi xmlns:a14="http://schemas.microsoft.com/office/drawing/2010/main" val="0"/>
+              </a:ext>
+            </a:extLst>
+          </a:blip>
+          <a:srcRect/>
+          <a:stretch>
+            <a:fillRect/>
+          </a:stretch>
+        </p:blipFill>
+        <p:spPr bwMode="auto">
+          <a:xfrm rot="21192752">
+            <a:off x="534658" y="2523940"/>
+            <a:ext cx="4291965" cy="2641209"/>
+          </a:xfrm>
+          <a:prstGeom prst="rect">
+            <a:avLst/>
+          </a:prstGeom>
+          <a:solidFill>
+            <a:srgbClr val="FFFFFF">
+              <a:shade val="85000"/>
+            </a:srgbClr>
+          </a:solidFill>
+          <a:ln w="190500" cap="sq">
+            <a:solidFill>
+              <a:srgbClr val="FFFFFF"/>
+            </a:solidFill>
+            <a:miter lim="800000"/>
+          </a:ln>
+          <a:effectLst>
+            <a:outerShdw blurRad="55000" dist="18000" dir="5400000" algn="tl" rotWithShape="0">
+              <a:srgbClr val="000000">
+                <a:alpha val="40000"/>
+              </a:srgbClr>
+            </a:outerShdw>
+          </a:effectLst>
+          <a:scene3d>
+            <a:camera prst="orthographicFront"/>
+            <a:lightRig rig="twoPt" dir="t">
+              <a:rot lat="0" lon="0" rev="7200000"/>
+            </a:lightRig>
+          </a:scene3d>
+          <a:sp3d>
+            <a:bevelT w="25400" h="19050"/>
+            <a:contourClr>
+              <a:srgbClr val="FFFFFF"/>
+            </a:contourClr>
+          </a:sp3d>
+          <a:extLst>
+            <a:ext uri="{909E8E84-426E-40DD-AFC4-6F175D3DCCD1}">
+              <a14:hiddenFill xmlns:a14="http://schemas.microsoft.com/office/drawing/2010/main">
+                <a:solidFill>
+                  <a:srgbClr val="FFFFFF"/>
+                </a:solidFill>
+              </a14:hiddenFill>
+            </a:ext>
+          </a:extLst>
         </p:spPr>
       </p:pic>
     </p:spTree>

--- a/Rust workshop presentation.pptx
+++ b/Rust workshop presentation.pptx
@@ -214,7 +214,7 @@
           <a:p>
             <a:fld id="{59746C06-FCD2-4F71-B216-407952C80BC0}" type="datetimeFigureOut">
               <a:rPr lang="en-US" smtClean="0"/>
-              <a:t>10/22/2025</a:t>
+              <a:t>11/6/2025</a:t>
             </a:fld>
             <a:endParaRPr lang="en-US"/>
           </a:p>
@@ -761,6 +761,785 @@
           <a:lstStyle/>
           <a:p>
             <a:r>
+              <a:rPr lang="en-US" dirty="0"/>
+              <a:t>Ensures safe memory access at compile time</a:t>
+            </a:r>
+          </a:p>
+          <a:p>
+            <a:r>
+              <a:rPr lang="en-US" dirty="0"/>
+              <a:t>Prevents data races and invalid references</a:t>
+            </a:r>
+          </a:p>
+          <a:p>
+            <a:r>
+              <a:rPr lang="en-US" dirty="0"/>
+              <a:t>Enforces ownership and borrowing rules</a:t>
+            </a:r>
+          </a:p>
+          <a:p>
+            <a:r>
+              <a:rPr lang="en-US" dirty="0"/>
+              <a:t>Allows either one mutable reference or multiple immutable ones</a:t>
+            </a:r>
+          </a:p>
+          <a:p>
+            <a:r>
+              <a:rPr lang="en-US" dirty="0"/>
+              <a:t>Catches memory safety issues before running</a:t>
+            </a:r>
+          </a:p>
+        </p:txBody>
+      </p:sp>
+      <p:sp>
+        <p:nvSpPr>
+          <p:cNvPr id="4" name="Slide Number Placeholder 3"/>
+          <p:cNvSpPr>
+            <a:spLocks noGrp="1"/>
+          </p:cNvSpPr>
+          <p:nvPr>
+            <p:ph type="sldNum" sz="quarter" idx="5"/>
+          </p:nvPr>
+        </p:nvSpPr>
+        <p:spPr/>
+        <p:txBody>
+          <a:bodyPr/>
+          <a:lstStyle/>
+          <a:p>
+            <a:fld id="{791E7DFB-44F9-47A0-9F90-F8BE7D449499}" type="slidenum">
+              <a:rPr lang="en-US" smtClean="0"/>
+              <a:t>11</a:t>
+            </a:fld>
+            <a:endParaRPr lang="en-US"/>
+          </a:p>
+        </p:txBody>
+      </p:sp>
+    </p:spTree>
+    <p:extLst>
+      <p:ext uri="{BB962C8B-B14F-4D97-AF65-F5344CB8AC3E}">
+        <p14:creationId xmlns:p14="http://schemas.microsoft.com/office/powerpoint/2010/main" val="3900253259"/>
+      </p:ext>
+    </p:extLst>
+  </p:cSld>
+  <p:clrMapOvr>
+    <a:masterClrMapping/>
+  </p:clrMapOvr>
+</p:notes>
+</file>
+
+<file path=ppt/notesSlides/notesSlide12.xml><?xml version="1.0" encoding="utf-8"?>
+<p:notes xmlns:a="http://schemas.openxmlformats.org/drawingml/2006/main" xmlns:r="http://schemas.openxmlformats.org/officeDocument/2006/relationships" xmlns:p="http://schemas.openxmlformats.org/presentationml/2006/main">
+  <p:cSld>
+    <p:spTree>
+      <p:nvGrpSpPr>
+        <p:cNvPr id="1" name=""/>
+        <p:cNvGrpSpPr/>
+        <p:nvPr/>
+      </p:nvGrpSpPr>
+      <p:grpSpPr>
+        <a:xfrm>
+          <a:off x="0" y="0"/>
+          <a:ext cx="0" cy="0"/>
+          <a:chOff x="0" y="0"/>
+          <a:chExt cx="0" cy="0"/>
+        </a:xfrm>
+      </p:grpSpPr>
+      <p:sp>
+        <p:nvSpPr>
+          <p:cNvPr id="2" name="Slide Image Placeholder 1"/>
+          <p:cNvSpPr>
+            <a:spLocks noGrp="1" noRot="1" noChangeAspect="1"/>
+          </p:cNvSpPr>
+          <p:nvPr>
+            <p:ph type="sldImg"/>
+          </p:nvPr>
+        </p:nvSpPr>
+        <p:spPr/>
+      </p:sp>
+      <p:sp>
+        <p:nvSpPr>
+          <p:cNvPr id="3" name="Notes Placeholder 2"/>
+          <p:cNvSpPr>
+            <a:spLocks noGrp="1"/>
+          </p:cNvSpPr>
+          <p:nvPr>
+            <p:ph type="body" idx="1"/>
+          </p:nvPr>
+        </p:nvSpPr>
+        <p:spPr/>
+        <p:txBody>
+          <a:bodyPr/>
+          <a:lstStyle/>
+          <a:p>
+            <a:r>
+              <a:rPr lang="en-US" dirty="0"/>
+              <a:t>Define how long references remain valid</a:t>
+            </a:r>
+          </a:p>
+          <a:p>
+            <a:r>
+              <a:rPr lang="en-US" dirty="0"/>
+              <a:t>Prevents using data after it’s dropped</a:t>
+            </a:r>
+          </a:p>
+          <a:p>
+            <a:r>
+              <a:rPr lang="en-US" dirty="0"/>
+              <a:t>Usually inferred automatically by the compiler</a:t>
+            </a:r>
+          </a:p>
+          <a:p>
+            <a:r>
+              <a:rPr lang="en-US" dirty="0"/>
+              <a:t>Explicit lifetimes only when relationships are complex</a:t>
+            </a:r>
+          </a:p>
+          <a:p>
+            <a:r>
+              <a:rPr lang="en-US" dirty="0"/>
+              <a:t>Guarantees memory safety across function boundaries</a:t>
+            </a:r>
+          </a:p>
+          <a:p>
+            <a:endParaRPr lang="en-US" dirty="0"/>
+          </a:p>
+        </p:txBody>
+      </p:sp>
+      <p:sp>
+        <p:nvSpPr>
+          <p:cNvPr id="4" name="Slide Number Placeholder 3"/>
+          <p:cNvSpPr>
+            <a:spLocks noGrp="1"/>
+          </p:cNvSpPr>
+          <p:nvPr>
+            <p:ph type="sldNum" sz="quarter" idx="5"/>
+          </p:nvPr>
+        </p:nvSpPr>
+        <p:spPr/>
+        <p:txBody>
+          <a:bodyPr/>
+          <a:lstStyle/>
+          <a:p>
+            <a:fld id="{791E7DFB-44F9-47A0-9F90-F8BE7D449499}" type="slidenum">
+              <a:rPr lang="en-US" smtClean="0"/>
+              <a:t>12</a:t>
+            </a:fld>
+            <a:endParaRPr lang="en-US"/>
+          </a:p>
+        </p:txBody>
+      </p:sp>
+    </p:spTree>
+    <p:extLst>
+      <p:ext uri="{BB962C8B-B14F-4D97-AF65-F5344CB8AC3E}">
+        <p14:creationId xmlns:p14="http://schemas.microsoft.com/office/powerpoint/2010/main" val="2803159491"/>
+      </p:ext>
+    </p:extLst>
+  </p:cSld>
+  <p:clrMapOvr>
+    <a:masterClrMapping/>
+  </p:clrMapOvr>
+</p:notes>
+</file>
+
+<file path=ppt/notesSlides/notesSlide13.xml><?xml version="1.0" encoding="utf-8"?>
+<p:notes xmlns:a="http://schemas.openxmlformats.org/drawingml/2006/main" xmlns:r="http://schemas.openxmlformats.org/officeDocument/2006/relationships" xmlns:p="http://schemas.openxmlformats.org/presentationml/2006/main">
+  <p:cSld>
+    <p:spTree>
+      <p:nvGrpSpPr>
+        <p:cNvPr id="1" name=""/>
+        <p:cNvGrpSpPr/>
+        <p:nvPr/>
+      </p:nvGrpSpPr>
+      <p:grpSpPr>
+        <a:xfrm>
+          <a:off x="0" y="0"/>
+          <a:ext cx="0" cy="0"/>
+          <a:chOff x="0" y="0"/>
+          <a:chExt cx="0" cy="0"/>
+        </a:xfrm>
+      </p:grpSpPr>
+      <p:sp>
+        <p:nvSpPr>
+          <p:cNvPr id="2" name="Slide Image Placeholder 1"/>
+          <p:cNvSpPr>
+            <a:spLocks noGrp="1" noRot="1" noChangeAspect="1"/>
+          </p:cNvSpPr>
+          <p:nvPr>
+            <p:ph type="sldImg"/>
+          </p:nvPr>
+        </p:nvSpPr>
+        <p:spPr/>
+      </p:sp>
+      <p:sp>
+        <p:nvSpPr>
+          <p:cNvPr id="3" name="Notes Placeholder 2"/>
+          <p:cNvSpPr>
+            <a:spLocks noGrp="1"/>
+          </p:cNvSpPr>
+          <p:nvPr>
+            <p:ph type="body" idx="1"/>
+          </p:nvPr>
+        </p:nvSpPr>
+        <p:spPr/>
+        <p:txBody>
+          <a:bodyPr/>
+          <a:lstStyle/>
+          <a:p>
+            <a:r>
+              <a:rPr lang="en-US" dirty="0"/>
+              <a:t>Enums represent data that can take different forms</a:t>
+            </a:r>
+          </a:p>
+          <a:p>
+            <a:r>
+              <a:rPr lang="en-US" sz="1200" kern="1200" dirty="0">
+                <a:solidFill>
+                  <a:schemeClr val="tx1"/>
+                </a:solidFill>
+                <a:latin typeface="+mn-lt"/>
+                <a:ea typeface="+mn-ea"/>
+                <a:cs typeface="+mn-cs"/>
+              </a:rPr>
+              <a:t>match</a:t>
+            </a:r>
+            <a:r>
+              <a:rPr lang="en-US" dirty="0"/>
+              <a:t> checks every possible case exhaustively</a:t>
+            </a:r>
+          </a:p>
+          <a:p>
+            <a:r>
+              <a:rPr lang="en-US" dirty="0"/>
+              <a:t>Ensures all outcomes are handled safely</a:t>
+            </a:r>
+          </a:p>
+          <a:p>
+            <a:r>
+              <a:rPr lang="en-US" dirty="0"/>
+              <a:t>Makes code more expressive and clear</a:t>
+            </a:r>
+          </a:p>
+          <a:p>
+            <a:r>
+              <a:rPr lang="en-US" dirty="0"/>
+              <a:t>Commonly used for state handling and control flow</a:t>
+            </a:r>
+          </a:p>
+          <a:p>
+            <a:endParaRPr lang="en-US" dirty="0"/>
+          </a:p>
+        </p:txBody>
+      </p:sp>
+      <p:sp>
+        <p:nvSpPr>
+          <p:cNvPr id="4" name="Slide Number Placeholder 3"/>
+          <p:cNvSpPr>
+            <a:spLocks noGrp="1"/>
+          </p:cNvSpPr>
+          <p:nvPr>
+            <p:ph type="sldNum" sz="quarter" idx="5"/>
+          </p:nvPr>
+        </p:nvSpPr>
+        <p:spPr/>
+        <p:txBody>
+          <a:bodyPr/>
+          <a:lstStyle/>
+          <a:p>
+            <a:fld id="{791E7DFB-44F9-47A0-9F90-F8BE7D449499}" type="slidenum">
+              <a:rPr lang="en-US" smtClean="0"/>
+              <a:t>13</a:t>
+            </a:fld>
+            <a:endParaRPr lang="en-US"/>
+          </a:p>
+        </p:txBody>
+      </p:sp>
+    </p:spTree>
+    <p:extLst>
+      <p:ext uri="{BB962C8B-B14F-4D97-AF65-F5344CB8AC3E}">
+        <p14:creationId xmlns:p14="http://schemas.microsoft.com/office/powerpoint/2010/main" val="1265936014"/>
+      </p:ext>
+    </p:extLst>
+  </p:cSld>
+  <p:clrMapOvr>
+    <a:masterClrMapping/>
+  </p:clrMapOvr>
+</p:notes>
+</file>
+
+<file path=ppt/notesSlides/notesSlide14.xml><?xml version="1.0" encoding="utf-8"?>
+<p:notes xmlns:a="http://schemas.openxmlformats.org/drawingml/2006/main" xmlns:r="http://schemas.openxmlformats.org/officeDocument/2006/relationships" xmlns:p="http://schemas.openxmlformats.org/presentationml/2006/main">
+  <p:cSld>
+    <p:spTree>
+      <p:nvGrpSpPr>
+        <p:cNvPr id="1" name=""/>
+        <p:cNvGrpSpPr/>
+        <p:nvPr/>
+      </p:nvGrpSpPr>
+      <p:grpSpPr>
+        <a:xfrm>
+          <a:off x="0" y="0"/>
+          <a:ext cx="0" cy="0"/>
+          <a:chOff x="0" y="0"/>
+          <a:chExt cx="0" cy="0"/>
+        </a:xfrm>
+      </p:grpSpPr>
+      <p:sp>
+        <p:nvSpPr>
+          <p:cNvPr id="2" name="Slide Image Placeholder 1"/>
+          <p:cNvSpPr>
+            <a:spLocks noGrp="1" noRot="1" noChangeAspect="1"/>
+          </p:cNvSpPr>
+          <p:nvPr>
+            <p:ph type="sldImg"/>
+          </p:nvPr>
+        </p:nvSpPr>
+        <p:spPr/>
+      </p:sp>
+      <p:sp>
+        <p:nvSpPr>
+          <p:cNvPr id="3" name="Notes Placeholder 2"/>
+          <p:cNvSpPr>
+            <a:spLocks noGrp="1"/>
+          </p:cNvSpPr>
+          <p:nvPr>
+            <p:ph type="body" idx="1"/>
+          </p:nvPr>
+        </p:nvSpPr>
+        <p:spPr/>
+        <p:txBody>
+          <a:bodyPr/>
+          <a:lstStyle/>
+          <a:p>
+            <a:r>
+              <a:rPr lang="en-US" dirty="0"/>
+              <a:t>Rust has no exceptions — uses </a:t>
+            </a:r>
+            <a:r>
+              <a:rPr lang="en-US" sz="1200" kern="1200" dirty="0">
+                <a:solidFill>
+                  <a:schemeClr val="tx1"/>
+                </a:solidFill>
+                <a:latin typeface="+mn-lt"/>
+                <a:ea typeface="+mn-ea"/>
+                <a:cs typeface="+mn-cs"/>
+              </a:rPr>
+              <a:t>Result</a:t>
+            </a:r>
+            <a:r>
+              <a:rPr lang="en-US" dirty="0"/>
+              <a:t> and </a:t>
+            </a:r>
+            <a:r>
+              <a:rPr lang="en-US" sz="1200" kern="1200" dirty="0">
+                <a:solidFill>
+                  <a:schemeClr val="tx1"/>
+                </a:solidFill>
+                <a:latin typeface="+mn-lt"/>
+                <a:ea typeface="+mn-ea"/>
+                <a:cs typeface="+mn-cs"/>
+              </a:rPr>
+              <a:t>Option</a:t>
+            </a:r>
+            <a:r>
+              <a:rPr lang="en-US" dirty="0"/>
+              <a:t> types</a:t>
+            </a:r>
+          </a:p>
+          <a:p>
+            <a:r>
+              <a:rPr lang="en-US" dirty="0"/>
+              <a:t>Encourages explicit error management</a:t>
+            </a:r>
+          </a:p>
+          <a:p>
+            <a:r>
+              <a:rPr lang="en-US" dirty="0"/>
+              <a:t>The </a:t>
+            </a:r>
+            <a:r>
+              <a:rPr lang="en-US" sz="1200" kern="1200" dirty="0">
+                <a:solidFill>
+                  <a:schemeClr val="tx1"/>
+                </a:solidFill>
+                <a:latin typeface="+mn-lt"/>
+                <a:ea typeface="+mn-ea"/>
+                <a:cs typeface="+mn-cs"/>
+              </a:rPr>
+              <a:t>?</a:t>
+            </a:r>
+            <a:r>
+              <a:rPr lang="en-US" dirty="0"/>
+              <a:t> operator simplifies error propagation</a:t>
+            </a:r>
+          </a:p>
+          <a:p>
+            <a:r>
+              <a:rPr lang="en-US" dirty="0"/>
+              <a:t>Prevents silent failures and enforces handling</a:t>
+            </a:r>
+          </a:p>
+          <a:p>
+            <a:r>
+              <a:rPr lang="en-US" dirty="0"/>
+              <a:t>Promotes reliable, predictable code</a:t>
+            </a:r>
+          </a:p>
+          <a:p>
+            <a:endParaRPr lang="en-US" dirty="0"/>
+          </a:p>
+        </p:txBody>
+      </p:sp>
+      <p:sp>
+        <p:nvSpPr>
+          <p:cNvPr id="4" name="Slide Number Placeholder 3"/>
+          <p:cNvSpPr>
+            <a:spLocks noGrp="1"/>
+          </p:cNvSpPr>
+          <p:nvPr>
+            <p:ph type="sldNum" sz="quarter" idx="5"/>
+          </p:nvPr>
+        </p:nvSpPr>
+        <p:spPr/>
+        <p:txBody>
+          <a:bodyPr/>
+          <a:lstStyle/>
+          <a:p>
+            <a:fld id="{791E7DFB-44F9-47A0-9F90-F8BE7D449499}" type="slidenum">
+              <a:rPr lang="en-US" smtClean="0"/>
+              <a:t>14</a:t>
+            </a:fld>
+            <a:endParaRPr lang="en-US"/>
+          </a:p>
+        </p:txBody>
+      </p:sp>
+    </p:spTree>
+    <p:extLst>
+      <p:ext uri="{BB962C8B-B14F-4D97-AF65-F5344CB8AC3E}">
+        <p14:creationId xmlns:p14="http://schemas.microsoft.com/office/powerpoint/2010/main" val="2983930390"/>
+      </p:ext>
+    </p:extLst>
+  </p:cSld>
+  <p:clrMapOvr>
+    <a:masterClrMapping/>
+  </p:clrMapOvr>
+</p:notes>
+</file>
+
+<file path=ppt/notesSlides/notesSlide15.xml><?xml version="1.0" encoding="utf-8"?>
+<p:notes xmlns:a="http://schemas.openxmlformats.org/drawingml/2006/main" xmlns:r="http://schemas.openxmlformats.org/officeDocument/2006/relationships" xmlns:p="http://schemas.openxmlformats.org/presentationml/2006/main">
+  <p:cSld>
+    <p:spTree>
+      <p:nvGrpSpPr>
+        <p:cNvPr id="1" name=""/>
+        <p:cNvGrpSpPr/>
+        <p:nvPr/>
+      </p:nvGrpSpPr>
+      <p:grpSpPr>
+        <a:xfrm>
+          <a:off x="0" y="0"/>
+          <a:ext cx="0" cy="0"/>
+          <a:chOff x="0" y="0"/>
+          <a:chExt cx="0" cy="0"/>
+        </a:xfrm>
+      </p:grpSpPr>
+      <p:sp>
+        <p:nvSpPr>
+          <p:cNvPr id="2" name="Slide Image Placeholder 1"/>
+          <p:cNvSpPr>
+            <a:spLocks noGrp="1" noRot="1" noChangeAspect="1"/>
+          </p:cNvSpPr>
+          <p:nvPr>
+            <p:ph type="sldImg"/>
+          </p:nvPr>
+        </p:nvSpPr>
+        <p:spPr/>
+      </p:sp>
+      <p:sp>
+        <p:nvSpPr>
+          <p:cNvPr id="3" name="Notes Placeholder 2"/>
+          <p:cNvSpPr>
+            <a:spLocks noGrp="1"/>
+          </p:cNvSpPr>
+          <p:nvPr>
+            <p:ph type="body" idx="1"/>
+          </p:nvPr>
+        </p:nvSpPr>
+        <p:spPr/>
+        <p:txBody>
+          <a:bodyPr/>
+          <a:lstStyle/>
+          <a:p>
+            <a:r>
+              <a:rPr lang="en-US" dirty="0"/>
+              <a:t>Rust enables safe and efficient concurrency</a:t>
+            </a:r>
+          </a:p>
+          <a:p>
+            <a:r>
+              <a:rPr lang="en-US" dirty="0"/>
+              <a:t>Ownership system prevents data races</a:t>
+            </a:r>
+          </a:p>
+          <a:p>
+            <a:r>
+              <a:rPr lang="en-US" dirty="0"/>
+              <a:t>Threads communicate safely via channels or shared ownership</a:t>
+            </a:r>
+          </a:p>
+          <a:p>
+            <a:r>
+              <a:rPr lang="en-US" dirty="0"/>
+              <a:t>Compiler ensures thread safety before runtime</a:t>
+            </a:r>
+          </a:p>
+          <a:p>
+            <a:r>
+              <a:rPr lang="en-US" dirty="0"/>
+              <a:t>Concurrency without fear of undefined behavior</a:t>
+            </a:r>
+          </a:p>
+          <a:p>
+            <a:endParaRPr lang="en-US" dirty="0"/>
+          </a:p>
+        </p:txBody>
+      </p:sp>
+      <p:sp>
+        <p:nvSpPr>
+          <p:cNvPr id="4" name="Slide Number Placeholder 3"/>
+          <p:cNvSpPr>
+            <a:spLocks noGrp="1"/>
+          </p:cNvSpPr>
+          <p:nvPr>
+            <p:ph type="sldNum" sz="quarter" idx="5"/>
+          </p:nvPr>
+        </p:nvSpPr>
+        <p:spPr/>
+        <p:txBody>
+          <a:bodyPr/>
+          <a:lstStyle/>
+          <a:p>
+            <a:fld id="{791E7DFB-44F9-47A0-9F90-F8BE7D449499}" type="slidenum">
+              <a:rPr lang="en-US" smtClean="0"/>
+              <a:t>15</a:t>
+            </a:fld>
+            <a:endParaRPr lang="en-US"/>
+          </a:p>
+        </p:txBody>
+      </p:sp>
+    </p:spTree>
+    <p:extLst>
+      <p:ext uri="{BB962C8B-B14F-4D97-AF65-F5344CB8AC3E}">
+        <p14:creationId xmlns:p14="http://schemas.microsoft.com/office/powerpoint/2010/main" val="3439235840"/>
+      </p:ext>
+    </p:extLst>
+  </p:cSld>
+  <p:clrMapOvr>
+    <a:masterClrMapping/>
+  </p:clrMapOvr>
+</p:notes>
+</file>
+
+<file path=ppt/notesSlides/notesSlide16.xml><?xml version="1.0" encoding="utf-8"?>
+<p:notes xmlns:a="http://schemas.openxmlformats.org/drawingml/2006/main" xmlns:r="http://schemas.openxmlformats.org/officeDocument/2006/relationships" xmlns:p="http://schemas.openxmlformats.org/presentationml/2006/main">
+  <p:cSld>
+    <p:spTree>
+      <p:nvGrpSpPr>
+        <p:cNvPr id="1" name=""/>
+        <p:cNvGrpSpPr/>
+        <p:nvPr/>
+      </p:nvGrpSpPr>
+      <p:grpSpPr>
+        <a:xfrm>
+          <a:off x="0" y="0"/>
+          <a:ext cx="0" cy="0"/>
+          <a:chOff x="0" y="0"/>
+          <a:chExt cx="0" cy="0"/>
+        </a:xfrm>
+      </p:grpSpPr>
+      <p:sp>
+        <p:nvSpPr>
+          <p:cNvPr id="2" name="Slide Image Placeholder 1"/>
+          <p:cNvSpPr>
+            <a:spLocks noGrp="1" noRot="1" noChangeAspect="1"/>
+          </p:cNvSpPr>
+          <p:nvPr>
+            <p:ph type="sldImg"/>
+          </p:nvPr>
+        </p:nvSpPr>
+        <p:spPr/>
+      </p:sp>
+      <p:sp>
+        <p:nvSpPr>
+          <p:cNvPr id="3" name="Notes Placeholder 2"/>
+          <p:cNvSpPr>
+            <a:spLocks noGrp="1"/>
+          </p:cNvSpPr>
+          <p:nvPr>
+            <p:ph type="body" idx="1"/>
+          </p:nvPr>
+        </p:nvSpPr>
+        <p:spPr/>
+        <p:txBody>
+          <a:bodyPr/>
+          <a:lstStyle/>
+          <a:p>
+            <a:r>
+              <a:rPr lang="en-US" dirty="0"/>
+              <a:t>Uses lightweight threads and async features</a:t>
+            </a:r>
+          </a:p>
+          <a:p>
+            <a:r>
+              <a:rPr lang="en-US" dirty="0"/>
+              <a:t>Async/await supports efficient I/O operations</a:t>
+            </a:r>
+          </a:p>
+          <a:p>
+            <a:r>
+              <a:rPr lang="en-US" dirty="0"/>
+              <a:t>Safe sharing through </a:t>
+            </a:r>
+            <a:r>
+              <a:rPr lang="en-US" sz="1200" kern="1200" dirty="0">
+                <a:solidFill>
+                  <a:schemeClr val="tx1"/>
+                </a:solidFill>
+                <a:latin typeface="+mn-lt"/>
+                <a:ea typeface="+mn-ea"/>
+                <a:cs typeface="+mn-cs"/>
+              </a:rPr>
+              <a:t>Arc</a:t>
+            </a:r>
+            <a:r>
+              <a:rPr lang="en-US" dirty="0"/>
+              <a:t>, </a:t>
+            </a:r>
+            <a:r>
+              <a:rPr lang="en-US" sz="1200" kern="1200" dirty="0">
+                <a:solidFill>
+                  <a:schemeClr val="tx1"/>
+                </a:solidFill>
+                <a:latin typeface="+mn-lt"/>
+                <a:ea typeface="+mn-ea"/>
+                <a:cs typeface="+mn-cs"/>
+              </a:rPr>
+              <a:t>Mutex</a:t>
+            </a:r>
+            <a:r>
+              <a:rPr lang="en-US" dirty="0"/>
+              <a:t>, or </a:t>
+            </a:r>
+            <a:r>
+              <a:rPr lang="en-US" sz="1200" kern="1200" dirty="0" err="1">
+                <a:solidFill>
+                  <a:schemeClr val="tx1"/>
+                </a:solidFill>
+                <a:latin typeface="+mn-lt"/>
+                <a:ea typeface="+mn-ea"/>
+                <a:cs typeface="+mn-cs"/>
+              </a:rPr>
+              <a:t>RwLock</a:t>
+            </a:r>
+            <a:endParaRPr lang="en-US" dirty="0"/>
+          </a:p>
+          <a:p>
+            <a:r>
+              <a:rPr lang="en-US" dirty="0"/>
+              <a:t>Memory and thread safety enforced by the compiler</a:t>
+            </a:r>
+          </a:p>
+          <a:p>
+            <a:r>
+              <a:rPr lang="en-US"/>
+              <a:t>Performance and safety combined without runtime overhead</a:t>
+            </a:r>
+          </a:p>
+          <a:p>
+            <a:endParaRPr lang="en-US"/>
+          </a:p>
+        </p:txBody>
+      </p:sp>
+      <p:sp>
+        <p:nvSpPr>
+          <p:cNvPr id="4" name="Slide Number Placeholder 3"/>
+          <p:cNvSpPr>
+            <a:spLocks noGrp="1"/>
+          </p:cNvSpPr>
+          <p:nvPr>
+            <p:ph type="sldNum" sz="quarter" idx="5"/>
+          </p:nvPr>
+        </p:nvSpPr>
+        <p:spPr/>
+        <p:txBody>
+          <a:bodyPr/>
+          <a:lstStyle/>
+          <a:p>
+            <a:fld id="{791E7DFB-44F9-47A0-9F90-F8BE7D449499}" type="slidenum">
+              <a:rPr lang="en-US" smtClean="0"/>
+              <a:t>16</a:t>
+            </a:fld>
+            <a:endParaRPr lang="en-US"/>
+          </a:p>
+        </p:txBody>
+      </p:sp>
+    </p:spTree>
+    <p:extLst>
+      <p:ext uri="{BB962C8B-B14F-4D97-AF65-F5344CB8AC3E}">
+        <p14:creationId xmlns:p14="http://schemas.microsoft.com/office/powerpoint/2010/main" val="167887154"/>
+      </p:ext>
+    </p:extLst>
+  </p:cSld>
+  <p:clrMapOvr>
+    <a:masterClrMapping/>
+  </p:clrMapOvr>
+</p:notes>
+</file>
+
+<file path=ppt/notesSlides/notesSlide17.xml><?xml version="1.0" encoding="utf-8"?>
+<p:notes xmlns:a="http://schemas.openxmlformats.org/drawingml/2006/main" xmlns:r="http://schemas.openxmlformats.org/officeDocument/2006/relationships" xmlns:p="http://schemas.openxmlformats.org/presentationml/2006/main">
+  <p:cSld>
+    <p:spTree>
+      <p:nvGrpSpPr>
+        <p:cNvPr id="1" name=""/>
+        <p:cNvGrpSpPr/>
+        <p:nvPr/>
+      </p:nvGrpSpPr>
+      <p:grpSpPr>
+        <a:xfrm>
+          <a:off x="0" y="0"/>
+          <a:ext cx="0" cy="0"/>
+          <a:chOff x="0" y="0"/>
+          <a:chExt cx="0" cy="0"/>
+        </a:xfrm>
+      </p:grpSpPr>
+      <p:sp>
+        <p:nvSpPr>
+          <p:cNvPr id="2" name="Slide Image Placeholder 1"/>
+          <p:cNvSpPr>
+            <a:spLocks noGrp="1" noRot="1" noChangeAspect="1"/>
+          </p:cNvSpPr>
+          <p:nvPr>
+            <p:ph type="sldImg"/>
+          </p:nvPr>
+        </p:nvSpPr>
+        <p:spPr/>
+      </p:sp>
+      <p:sp>
+        <p:nvSpPr>
+          <p:cNvPr id="3" name="Notes Placeholder 2"/>
+          <p:cNvSpPr>
+            <a:spLocks noGrp="1"/>
+          </p:cNvSpPr>
+          <p:nvPr>
+            <p:ph type="body" idx="1"/>
+          </p:nvPr>
+        </p:nvSpPr>
+        <p:spPr/>
+        <p:txBody>
+          <a:bodyPr/>
+          <a:lstStyle/>
+          <a:p>
+            <a:r>
               <a:rPr lang="en-US" sz="1200" b="0" kern="1200" dirty="0">
                 <a:solidFill>
                   <a:schemeClr val="tx1"/>
@@ -862,7 +1641,7 @@
 </p:notes>
 </file>
 
-<file path=ppt/notesSlides/notesSlide12.xml><?xml version="1.0" encoding="utf-8"?>
+<file path=ppt/notesSlides/notesSlide18.xml><?xml version="1.0" encoding="utf-8"?>
 <p:notes xmlns:a="http://schemas.openxmlformats.org/drawingml/2006/main" xmlns:r="http://schemas.openxmlformats.org/officeDocument/2006/relationships" xmlns:p="http://schemas.openxmlformats.org/presentationml/2006/main">
   <p:cSld>
     <p:spTree>
@@ -2507,7 +3286,7 @@
           <a:p>
             <a:fld id="{7AE778D6-116B-42D4-B211-69FF968B1FB5}" type="datetime1">
               <a:rPr lang="en-US" smtClean="0"/>
-              <a:t>10/22/2025</a:t>
+              <a:t>11/6/2025</a:t>
             </a:fld>
             <a:endParaRPr lang="en-US"/>
           </a:p>
@@ -2705,7 +3484,7 @@
           <a:p>
             <a:fld id="{7E6DD9C0-0887-4597-9FA4-971B42BD2B7B}" type="datetime1">
               <a:rPr lang="en-US" smtClean="0"/>
-              <a:t>10/22/2025</a:t>
+              <a:t>11/6/2025</a:t>
             </a:fld>
             <a:endParaRPr lang="en-US"/>
           </a:p>
@@ -2913,7 +3692,7 @@
           <a:p>
             <a:fld id="{68CBAA00-04F6-4A64-8418-1CAF36238E74}" type="datetime1">
               <a:rPr lang="en-US" smtClean="0"/>
-              <a:t>10/22/2025</a:t>
+              <a:t>11/6/2025</a:t>
             </a:fld>
             <a:endParaRPr lang="en-US"/>
           </a:p>
@@ -3111,7 +3890,7 @@
           <a:p>
             <a:fld id="{A20B7C04-B98A-469A-A63D-29333B974FF0}" type="datetime1">
               <a:rPr lang="en-US" smtClean="0"/>
-              <a:t>10/22/2025</a:t>
+              <a:t>11/6/2025</a:t>
             </a:fld>
             <a:endParaRPr lang="en-US"/>
           </a:p>
@@ -3386,7 +4165,7 @@
           <a:p>
             <a:fld id="{D144AB39-089E-4DC2-9FD7-483334CC6F45}" type="datetime1">
               <a:rPr lang="en-US" smtClean="0"/>
-              <a:t>10/22/2025</a:t>
+              <a:t>11/6/2025</a:t>
             </a:fld>
             <a:endParaRPr lang="en-US"/>
           </a:p>
@@ -3651,7 +4430,7 @@
           <a:p>
             <a:fld id="{10FF1A6B-EBD6-486F-8482-790FCFEAC738}" type="datetime1">
               <a:rPr lang="en-US" smtClean="0"/>
-              <a:t>10/22/2025</a:t>
+              <a:t>11/6/2025</a:t>
             </a:fld>
             <a:endParaRPr lang="en-US"/>
           </a:p>
@@ -4063,7 +4842,7 @@
           <a:p>
             <a:fld id="{FB1891AC-55C6-4C05-A884-9CB1E0A310E6}" type="datetime1">
               <a:rPr lang="en-US" smtClean="0"/>
-              <a:t>10/22/2025</a:t>
+              <a:t>11/6/2025</a:t>
             </a:fld>
             <a:endParaRPr lang="en-US"/>
           </a:p>
@@ -4204,7 +4983,7 @@
           <a:p>
             <a:fld id="{DFDE8B63-F820-4FAD-81A2-E59676E7AC11}" type="datetime1">
               <a:rPr lang="en-US" smtClean="0"/>
-              <a:t>10/22/2025</a:t>
+              <a:t>11/6/2025</a:t>
             </a:fld>
             <a:endParaRPr lang="en-US"/>
           </a:p>
@@ -4317,7 +5096,7 @@
           <a:p>
             <a:fld id="{B16CBD63-D720-4FA5-9B2A-11A274B73B13}" type="datetime1">
               <a:rPr lang="en-US" smtClean="0"/>
-              <a:t>10/22/2025</a:t>
+              <a:t>11/6/2025</a:t>
             </a:fld>
             <a:endParaRPr lang="en-US"/>
           </a:p>
@@ -4628,7 +5407,7 @@
           <a:p>
             <a:fld id="{AE6DC516-42BC-4DA2-A67D-57F25C343610}" type="datetime1">
               <a:rPr lang="en-US" smtClean="0"/>
-              <a:t>10/22/2025</a:t>
+              <a:t>11/6/2025</a:t>
             </a:fld>
             <a:endParaRPr lang="en-US"/>
           </a:p>
@@ -4916,7 +5695,7 @@
           <a:p>
             <a:fld id="{057FCABE-86A5-44BB-A17E-3066E7620E0A}" type="datetime1">
               <a:rPr lang="en-US" smtClean="0"/>
-              <a:t>10/22/2025</a:t>
+              <a:t>11/6/2025</a:t>
             </a:fld>
             <a:endParaRPr lang="en-US"/>
           </a:p>
@@ -5157,7 +5936,7 @@
           <a:p>
             <a:fld id="{853198DE-BE31-40FF-B292-54C23C33BE6A}" type="datetime1">
               <a:rPr lang="en-US" smtClean="0"/>
-              <a:t>10/22/2025</a:t>
+              <a:t>11/6/2025</a:t>
             </a:fld>
             <a:endParaRPr lang="en-US"/>
           </a:p>
@@ -6191,15 +6970,6 @@
               <a:srgbClr val="FFFFFF"/>
             </a:contourClr>
           </a:sp3d>
-          <a:extLst>
-            <a:ext uri="{909E8E84-426E-40DD-AFC4-6F175D3DCCD1}">
-              <a14:hiddenFill xmlns:a14="http://schemas.microsoft.com/office/drawing/2010/main">
-                <a:solidFill>
-                  <a:srgbClr val="FFFFFF"/>
-                </a:solidFill>
-              </a14:hiddenFill>
-            </a:ext>
-          </a:extLst>
         </p:spPr>
       </p:pic>
     </p:spTree>
@@ -6253,7 +7023,7 @@
           <p:nvPr/>
         </p:nvPicPr>
         <p:blipFill>
-          <a:blip r:embed="rId2">
+          <a:blip r:embed="rId3">
             <a:extLst>
               <a:ext uri="{28A0092B-C50C-407E-A947-70E740481C1C}">
                 <a14:useLocalDpi xmlns:a14="http://schemas.microsoft.com/office/drawing/2010/main" val="0"/>
@@ -6384,7 +7154,7 @@
           <p:nvPr/>
         </p:nvPicPr>
         <p:blipFill>
-          <a:blip r:embed="rId3"/>
+          <a:blip r:embed="rId4"/>
           <a:stretch>
             <a:fillRect/>
           </a:stretch>
@@ -6430,7 +7200,7 @@
           <p:nvPr/>
         </p:nvPicPr>
         <p:blipFill>
-          <a:blip r:embed="rId4"/>
+          <a:blip r:embed="rId5"/>
           <a:stretch>
             <a:fillRect/>
           </a:stretch>
@@ -6512,7 +7282,7 @@
           <p:nvPr/>
         </p:nvPicPr>
         <p:blipFill>
-          <a:blip r:embed="rId2">
+          <a:blip r:embed="rId3">
             <a:extLst>
               <a:ext uri="{28A0092B-C50C-407E-A947-70E740481C1C}">
                 <a14:useLocalDpi xmlns:a14="http://schemas.microsoft.com/office/drawing/2010/main" val="0"/>
@@ -6643,15 +7413,15 @@
           <p:nvPr/>
         </p:nvPicPr>
         <p:blipFill>
-          <a:blip r:embed="rId3"/>
+          <a:blip r:embed="rId4"/>
           <a:stretch>
             <a:fillRect/>
           </a:stretch>
         </p:blipFill>
         <p:spPr>
           <a:xfrm>
-            <a:off x="5557519" y="3449844"/>
-            <a:ext cx="6450231" cy="3089068"/>
+            <a:off x="2130006" y="2232727"/>
+            <a:ext cx="8325392" cy="3987098"/>
           </a:xfrm>
           <a:prstGeom prst="round2DiagRect">
             <a:avLst>
@@ -6725,7 +7495,7 @@
           <p:nvPr/>
         </p:nvPicPr>
         <p:blipFill>
-          <a:blip r:embed="rId2">
+          <a:blip r:embed="rId3">
             <a:extLst>
               <a:ext uri="{28A0092B-C50C-407E-A947-70E740481C1C}">
                 <a14:useLocalDpi xmlns:a14="http://schemas.microsoft.com/office/drawing/2010/main" val="0"/>
@@ -6856,15 +7626,15 @@
           <p:nvPr/>
         </p:nvPicPr>
         <p:blipFill>
-          <a:blip r:embed="rId3"/>
+          <a:blip r:embed="rId4"/>
           <a:stretch>
             <a:fillRect/>
           </a:stretch>
         </p:blipFill>
         <p:spPr>
           <a:xfrm>
-            <a:off x="4968240" y="3785728"/>
-            <a:ext cx="7000240" cy="2935747"/>
+            <a:off x="1658711" y="2422303"/>
+            <a:ext cx="9055128" cy="3797522"/>
           </a:xfrm>
           <a:prstGeom prst="round2DiagRect">
             <a:avLst>
@@ -6938,7 +7708,7 @@
           <p:nvPr/>
         </p:nvPicPr>
         <p:blipFill>
-          <a:blip r:embed="rId2">
+          <a:blip r:embed="rId3">
             <a:extLst>
               <a:ext uri="{28A0092B-C50C-407E-A947-70E740481C1C}">
                 <a14:useLocalDpi xmlns:a14="http://schemas.microsoft.com/office/drawing/2010/main" val="0"/>
@@ -7074,7 +7844,7 @@
           <p:nvPr/>
         </p:nvPicPr>
         <p:blipFill>
-          <a:blip r:embed="rId3"/>
+          <a:blip r:embed="rId4"/>
           <a:stretch>
             <a:fillRect/>
           </a:stretch>
@@ -7156,7 +7926,7 @@
           <p:nvPr/>
         </p:nvPicPr>
         <p:blipFill>
-          <a:blip r:embed="rId2">
+          <a:blip r:embed="rId3">
             <a:extLst>
               <a:ext uri="{28A0092B-C50C-407E-A947-70E740481C1C}">
                 <a14:useLocalDpi xmlns:a14="http://schemas.microsoft.com/office/drawing/2010/main" val="0"/>
@@ -7291,15 +8061,15 @@
           <p:nvPr/>
         </p:nvPicPr>
         <p:blipFill>
-          <a:blip r:embed="rId3"/>
+          <a:blip r:embed="rId4"/>
           <a:stretch>
             <a:fillRect/>
           </a:stretch>
         </p:blipFill>
         <p:spPr>
           <a:xfrm>
-            <a:off x="4780856" y="3124577"/>
-            <a:ext cx="7055544" cy="3095248"/>
+            <a:off x="1679944" y="2026038"/>
+            <a:ext cx="9050670" cy="3970504"/>
           </a:xfrm>
           <a:prstGeom prst="round2DiagRect">
             <a:avLst>
@@ -7373,7 +8143,7 @@
           <p:nvPr/>
         </p:nvPicPr>
         <p:blipFill>
-          <a:blip r:embed="rId2">
+          <a:blip r:embed="rId3">
             <a:extLst>
               <a:ext uri="{28A0092B-C50C-407E-A947-70E740481C1C}">
                 <a14:useLocalDpi xmlns:a14="http://schemas.microsoft.com/office/drawing/2010/main" val="0"/>
@@ -7508,15 +8278,15 @@
           <p:nvPr/>
         </p:nvPicPr>
         <p:blipFill>
-          <a:blip r:embed="rId3"/>
+          <a:blip r:embed="rId4"/>
           <a:stretch>
             <a:fillRect/>
           </a:stretch>
         </p:blipFill>
         <p:spPr>
           <a:xfrm>
-            <a:off x="4110085" y="1947132"/>
-            <a:ext cx="7243715" cy="4409218"/>
+            <a:off x="1913860" y="1543613"/>
+            <a:ext cx="8206563" cy="4995299"/>
           </a:xfrm>
           <a:prstGeom prst="round2DiagRect">
             <a:avLst>

--- a/Rust workshop presentation.pptx
+++ b/Rust workshop presentation.pptx
@@ -214,7 +214,7 @@
           <a:p>
             <a:fld id="{59746C06-FCD2-4F71-B216-407952C80BC0}" type="datetimeFigureOut">
               <a:rPr lang="en-US" smtClean="0"/>
-              <a:t>11/6/2025</a:t>
+              <a:t>11/12/2025</a:t>
             </a:fld>
             <a:endParaRPr lang="en-US"/>
           </a:p>
@@ -1450,12 +1450,12 @@
           </a:p>
           <a:p>
             <a:r>
-              <a:rPr lang="en-US"/>
+              <a:rPr lang="en-US" dirty="0"/>
               <a:t>Performance and safety combined without runtime overhead</a:t>
             </a:r>
           </a:p>
           <a:p>
-            <a:endParaRPr lang="en-US"/>
+            <a:endParaRPr lang="en-US" dirty="0"/>
           </a:p>
         </p:txBody>
       </p:sp>
@@ -3286,7 +3286,7 @@
           <a:p>
             <a:fld id="{7AE778D6-116B-42D4-B211-69FF968B1FB5}" type="datetime1">
               <a:rPr lang="en-US" smtClean="0"/>
-              <a:t>11/6/2025</a:t>
+              <a:t>11/12/2025</a:t>
             </a:fld>
             <a:endParaRPr lang="en-US"/>
           </a:p>
@@ -3484,7 +3484,7 @@
           <a:p>
             <a:fld id="{7E6DD9C0-0887-4597-9FA4-971B42BD2B7B}" type="datetime1">
               <a:rPr lang="en-US" smtClean="0"/>
-              <a:t>11/6/2025</a:t>
+              <a:t>11/12/2025</a:t>
             </a:fld>
             <a:endParaRPr lang="en-US"/>
           </a:p>
@@ -3692,7 +3692,7 @@
           <a:p>
             <a:fld id="{68CBAA00-04F6-4A64-8418-1CAF36238E74}" type="datetime1">
               <a:rPr lang="en-US" smtClean="0"/>
-              <a:t>11/6/2025</a:t>
+              <a:t>11/12/2025</a:t>
             </a:fld>
             <a:endParaRPr lang="en-US"/>
           </a:p>
@@ -3890,7 +3890,7 @@
           <a:p>
             <a:fld id="{A20B7C04-B98A-469A-A63D-29333B974FF0}" type="datetime1">
               <a:rPr lang="en-US" smtClean="0"/>
-              <a:t>11/6/2025</a:t>
+              <a:t>11/12/2025</a:t>
             </a:fld>
             <a:endParaRPr lang="en-US"/>
           </a:p>
@@ -4165,7 +4165,7 @@
           <a:p>
             <a:fld id="{D144AB39-089E-4DC2-9FD7-483334CC6F45}" type="datetime1">
               <a:rPr lang="en-US" smtClean="0"/>
-              <a:t>11/6/2025</a:t>
+              <a:t>11/12/2025</a:t>
             </a:fld>
             <a:endParaRPr lang="en-US"/>
           </a:p>
@@ -4430,7 +4430,7 @@
           <a:p>
             <a:fld id="{10FF1A6B-EBD6-486F-8482-790FCFEAC738}" type="datetime1">
               <a:rPr lang="en-US" smtClean="0"/>
-              <a:t>11/6/2025</a:t>
+              <a:t>11/12/2025</a:t>
             </a:fld>
             <a:endParaRPr lang="en-US"/>
           </a:p>
@@ -4842,7 +4842,7 @@
           <a:p>
             <a:fld id="{FB1891AC-55C6-4C05-A884-9CB1E0A310E6}" type="datetime1">
               <a:rPr lang="en-US" smtClean="0"/>
-              <a:t>11/6/2025</a:t>
+              <a:t>11/12/2025</a:t>
             </a:fld>
             <a:endParaRPr lang="en-US"/>
           </a:p>
@@ -4983,7 +4983,7 @@
           <a:p>
             <a:fld id="{DFDE8B63-F820-4FAD-81A2-E59676E7AC11}" type="datetime1">
               <a:rPr lang="en-US" smtClean="0"/>
-              <a:t>11/6/2025</a:t>
+              <a:t>11/12/2025</a:t>
             </a:fld>
             <a:endParaRPr lang="en-US"/>
           </a:p>
@@ -5096,7 +5096,7 @@
           <a:p>
             <a:fld id="{B16CBD63-D720-4FA5-9B2A-11A274B73B13}" type="datetime1">
               <a:rPr lang="en-US" smtClean="0"/>
-              <a:t>11/6/2025</a:t>
+              <a:t>11/12/2025</a:t>
             </a:fld>
             <a:endParaRPr lang="en-US"/>
           </a:p>
@@ -5407,7 +5407,7 @@
           <a:p>
             <a:fld id="{AE6DC516-42BC-4DA2-A67D-57F25C343610}" type="datetime1">
               <a:rPr lang="en-US" smtClean="0"/>
-              <a:t>11/6/2025</a:t>
+              <a:t>11/12/2025</a:t>
             </a:fld>
             <a:endParaRPr lang="en-US"/>
           </a:p>
@@ -5695,7 +5695,7 @@
           <a:p>
             <a:fld id="{057FCABE-86A5-44BB-A17E-3066E7620E0A}" type="datetime1">
               <a:rPr lang="en-US" smtClean="0"/>
-              <a:t>11/6/2025</a:t>
+              <a:t>11/12/2025</a:t>
             </a:fld>
             <a:endParaRPr lang="en-US"/>
           </a:p>
@@ -5936,7 +5936,7 @@
           <a:p>
             <a:fld id="{853198DE-BE31-40FF-B292-54C23C33BE6A}" type="datetime1">
               <a:rPr lang="en-US" smtClean="0"/>
-              <a:t>11/6/2025</a:t>
+              <a:t>11/12/2025</a:t>
             </a:fld>
             <a:endParaRPr lang="en-US"/>
           </a:p>
@@ -7420,8 +7420,8 @@
         </p:blipFill>
         <p:spPr>
           <a:xfrm>
-            <a:off x="2130006" y="2232727"/>
-            <a:ext cx="8325392" cy="3987098"/>
+            <a:off x="737488" y="2899375"/>
+            <a:ext cx="7599656" cy="3639537"/>
           </a:xfrm>
           <a:prstGeom prst="round2DiagRect">
             <a:avLst>
@@ -7442,6 +7442,36 @@
               </a:srgbClr>
             </a:outerShdw>
           </a:effectLst>
+        </p:spPr>
+      </p:pic>
+      <p:pic>
+        <p:nvPicPr>
+          <p:cNvPr id="7" name="Picture 6">
+            <a:extLst>
+              <a:ext uri="{FF2B5EF4-FFF2-40B4-BE49-F238E27FC236}">
+                <a16:creationId xmlns:a16="http://schemas.microsoft.com/office/drawing/2014/main" id="{2F7AF080-9043-A8BD-FF81-00324C1A9AFE}"/>
+              </a:ext>
+            </a:extLst>
+          </p:cNvPr>
+          <p:cNvPicPr>
+            <a:picLocks noChangeAspect="1"/>
+          </p:cNvPicPr>
+          <p:nvPr/>
+        </p:nvPicPr>
+        <p:blipFill>
+          <a:blip r:embed="rId5"/>
+          <a:stretch>
+            <a:fillRect/>
+          </a:stretch>
+        </p:blipFill>
+        <p:spPr>
+          <a:xfrm>
+            <a:off x="6095047" y="1268361"/>
+            <a:ext cx="5801535" cy="1524213"/>
+          </a:xfrm>
+          <a:prstGeom prst="rect">
+            <a:avLst/>
+          </a:prstGeom>
         </p:spPr>
       </p:pic>
     </p:spTree>
@@ -7851,7 +7881,7 @@
         </p:blipFill>
         <p:spPr>
           <a:xfrm>
-            <a:off x="2658003" y="1359575"/>
+            <a:off x="1621947" y="1341940"/>
             <a:ext cx="7324197" cy="5361613"/>
           </a:xfrm>
           <a:prstGeom prst="round2DiagRect">
@@ -7873,6 +7903,53 @@
               </a:srgbClr>
             </a:outerShdw>
           </a:effectLst>
+        </p:spPr>
+      </p:pic>
+      <p:pic>
+        <p:nvPicPr>
+          <p:cNvPr id="1032" name="Picture 8" descr="Error Icon SVG Vector &amp; PNG Free Download | UXWing">
+            <a:extLst>
+              <a:ext uri="{FF2B5EF4-FFF2-40B4-BE49-F238E27FC236}">
+                <a16:creationId xmlns:a16="http://schemas.microsoft.com/office/drawing/2014/main" id="{C274813D-3B5F-9DE9-E455-7329CB8DEE52}"/>
+              </a:ext>
+            </a:extLst>
+          </p:cNvPr>
+          <p:cNvPicPr>
+            <a:picLocks noChangeAspect="1" noChangeArrowheads="1"/>
+          </p:cNvPicPr>
+          <p:nvPr/>
+        </p:nvPicPr>
+        <p:blipFill>
+          <a:blip r:embed="rId5">
+            <a:extLst>
+              <a:ext uri="{28A0092B-C50C-407E-A947-70E740481C1C}">
+                <a14:useLocalDpi xmlns:a14="http://schemas.microsoft.com/office/drawing/2010/main" val="0"/>
+              </a:ext>
+            </a:extLst>
+          </a:blip>
+          <a:srcRect/>
+          <a:stretch>
+            <a:fillRect/>
+          </a:stretch>
+        </p:blipFill>
+        <p:spPr bwMode="auto">
+          <a:xfrm>
+            <a:off x="9118638" y="106718"/>
+            <a:ext cx="3071457" cy="3071457"/>
+          </a:xfrm>
+          <a:prstGeom prst="rect">
+            <a:avLst/>
+          </a:prstGeom>
+          <a:noFill/>
+          <a:extLst>
+            <a:ext uri="{909E8E84-426E-40DD-AFC4-6F175D3DCCD1}">
+              <a14:hiddenFill xmlns:a14="http://schemas.microsoft.com/office/drawing/2010/main">
+                <a:solidFill>
+                  <a:srgbClr val="FFFFFF"/>
+                </a:solidFill>
+              </a14:hiddenFill>
+            </a:ext>
+          </a:extLst>
         </p:spPr>
       </p:pic>
     </p:spTree>
